--- a/Note/图片存储.pptx
+++ b/Note/图片存储.pptx
@@ -18,6 +18,13 @@
     <p:sldId id="266" r:id="rId12"/>
     <p:sldId id="267" r:id="rId13"/>
     <p:sldId id="268" r:id="rId14"/>
+    <p:sldId id="269" r:id="rId15"/>
+    <p:sldId id="270" r:id="rId16"/>
+    <p:sldId id="271" r:id="rId17"/>
+    <p:sldId id="272" r:id="rId18"/>
+    <p:sldId id="273" r:id="rId19"/>
+    <p:sldId id="274" r:id="rId20"/>
+    <p:sldId id="275" r:id="rId21"/>
   </p:sldIdLst>
   <p:sldSz cx="12192000" cy="6858000"/>
   <p:notesSz cx="6858000" cy="9144000"/>
@@ -3681,6 +3688,143 @@
           </a:p>
         </p:txBody>
       </p:sp>
+      <p:pic>
+        <p:nvPicPr>
+          <p:cNvPr id="7" name="图片 6">
+            <a:extLst>
+              <a:ext uri="{FF2B5EF4-FFF2-40B4-BE49-F238E27FC236}">
+                <a16:creationId xmlns:a16="http://schemas.microsoft.com/office/drawing/2014/main" id="{DDDC0856-CB23-6B34-A4D6-1380F8B3774C}"/>
+              </a:ext>
+            </a:extLst>
+          </p:cNvPr>
+          <p:cNvPicPr>
+            <a:picLocks noChangeAspect="1"/>
+          </p:cNvPicPr>
+          <p:nvPr/>
+        </p:nvPicPr>
+        <p:blipFill>
+          <a:blip r:embed="rId2"/>
+          <a:stretch>
+            <a:fillRect/>
+          </a:stretch>
+        </p:blipFill>
+        <p:spPr>
+          <a:xfrm>
+            <a:off x="701040" y="2432050"/>
+            <a:ext cx="4572000" cy="3200400"/>
+          </a:xfrm>
+          <a:prstGeom prst="rect">
+            <a:avLst/>
+          </a:prstGeom>
+        </p:spPr>
+      </p:pic>
+      <p:pic>
+        <p:nvPicPr>
+          <p:cNvPr id="9" name="图片 8">
+            <a:extLst>
+              <a:ext uri="{FF2B5EF4-FFF2-40B4-BE49-F238E27FC236}">
+                <a16:creationId xmlns:a16="http://schemas.microsoft.com/office/drawing/2014/main" id="{DC020B84-E6AC-4365-E4BC-50AA086AA537}"/>
+              </a:ext>
+            </a:extLst>
+          </p:cNvPr>
+          <p:cNvPicPr>
+            <a:picLocks noChangeAspect="1"/>
+          </p:cNvPicPr>
+          <p:nvPr/>
+        </p:nvPicPr>
+        <p:blipFill>
+          <a:blip r:embed="rId3"/>
+          <a:stretch>
+            <a:fillRect/>
+          </a:stretch>
+        </p:blipFill>
+        <p:spPr>
+          <a:xfrm>
+            <a:off x="6384388" y="2432050"/>
+            <a:ext cx="4572000" cy="3200400"/>
+          </a:xfrm>
+          <a:prstGeom prst="rect">
+            <a:avLst/>
+          </a:prstGeom>
+        </p:spPr>
+      </p:pic>
+      <p:sp>
+        <p:nvSpPr>
+          <p:cNvPr id="11" name="文本框 10">
+            <a:extLst>
+              <a:ext uri="{FF2B5EF4-FFF2-40B4-BE49-F238E27FC236}">
+                <a16:creationId xmlns:a16="http://schemas.microsoft.com/office/drawing/2014/main" id="{66757B56-25EE-64A0-0AE4-30435214CBB9}"/>
+              </a:ext>
+            </a:extLst>
+          </p:cNvPr>
+          <p:cNvSpPr txBox="1"/>
+          <p:nvPr/>
+        </p:nvSpPr>
+        <p:spPr>
+          <a:xfrm>
+            <a:off x="2160799" y="5954096"/>
+            <a:ext cx="1905699" cy="646331"/>
+          </a:xfrm>
+          <a:prstGeom prst="rect">
+            <a:avLst/>
+          </a:prstGeom>
+          <a:noFill/>
+        </p:spPr>
+        <p:txBody>
+          <a:bodyPr wrap="square">
+            <a:spAutoFit/>
+          </a:bodyPr>
+          <a:lstStyle/>
+          <a:p>
+            <a:r>
+              <a:rPr lang="en-US" altLang="zh-CN" dirty="0"/>
+              <a:t>CSPR is 10.26dB</a:t>
+            </a:r>
+          </a:p>
+          <a:p>
+            <a:r>
+              <a:rPr lang="en-US" altLang="zh-CN" dirty="0"/>
+              <a:t>BER = 0.0281196</a:t>
+            </a:r>
+            <a:endParaRPr lang="zh-CN" altLang="en-US" dirty="0"/>
+          </a:p>
+        </p:txBody>
+      </p:sp>
+      <p:sp>
+        <p:nvSpPr>
+          <p:cNvPr id="12" name="文本框 11">
+            <a:extLst>
+              <a:ext uri="{FF2B5EF4-FFF2-40B4-BE49-F238E27FC236}">
+                <a16:creationId xmlns:a16="http://schemas.microsoft.com/office/drawing/2014/main" id="{04B44E40-D41E-994F-0F7F-467712B8552D}"/>
+              </a:ext>
+            </a:extLst>
+          </p:cNvPr>
+          <p:cNvSpPr txBox="1"/>
+          <p:nvPr/>
+        </p:nvSpPr>
+        <p:spPr>
+          <a:xfrm>
+            <a:off x="2987040" y="1670050"/>
+            <a:ext cx="877163" cy="369332"/>
+          </a:xfrm>
+          <a:prstGeom prst="rect">
+            <a:avLst/>
+          </a:prstGeom>
+          <a:noFill/>
+        </p:spPr>
+        <p:txBody>
+          <a:bodyPr wrap="none" rtlCol="0">
+            <a:spAutoFit/>
+          </a:bodyPr>
+          <a:lstStyle/>
+          <a:p>
+            <a:r>
+              <a:rPr lang="zh-CN" altLang="en-US" dirty="0"/>
+              <a:t>背靠背</a:t>
+            </a:r>
+          </a:p>
+        </p:txBody>
+      </p:sp>
     </p:spTree>
     <p:extLst>
       <p:ext uri="{BB962C8B-B14F-4D97-AF65-F5344CB8AC3E}">
@@ -3752,6 +3896,193 @@
           </a:p>
         </p:txBody>
       </p:sp>
+      <p:sp>
+        <p:nvSpPr>
+          <p:cNvPr id="3" name="文本框 2">
+            <a:extLst>
+              <a:ext uri="{FF2B5EF4-FFF2-40B4-BE49-F238E27FC236}">
+                <a16:creationId xmlns:a16="http://schemas.microsoft.com/office/drawing/2014/main" id="{4CC632CB-B468-B7DD-5548-BE53A50E76E2}"/>
+              </a:ext>
+            </a:extLst>
+          </p:cNvPr>
+          <p:cNvSpPr txBox="1"/>
+          <p:nvPr/>
+        </p:nvSpPr>
+        <p:spPr>
+          <a:xfrm>
+            <a:off x="1259532" y="1670050"/>
+            <a:ext cx="1338828" cy="369332"/>
+          </a:xfrm>
+          <a:prstGeom prst="rect">
+            <a:avLst/>
+          </a:prstGeom>
+          <a:noFill/>
+        </p:spPr>
+        <p:txBody>
+          <a:bodyPr wrap="none" rtlCol="0">
+            <a:spAutoFit/>
+          </a:bodyPr>
+          <a:lstStyle/>
+          <a:p>
+            <a:r>
+              <a:rPr lang="zh-CN" altLang="en-US" dirty="0"/>
+              <a:t>双边带信号</a:t>
+            </a:r>
+          </a:p>
+        </p:txBody>
+      </p:sp>
+      <p:sp>
+        <p:nvSpPr>
+          <p:cNvPr id="4" name="文本框 3">
+            <a:extLst>
+              <a:ext uri="{FF2B5EF4-FFF2-40B4-BE49-F238E27FC236}">
+                <a16:creationId xmlns:a16="http://schemas.microsoft.com/office/drawing/2014/main" id="{8691930F-74BC-6DB5-3080-D13B2311E882}"/>
+              </a:ext>
+            </a:extLst>
+          </p:cNvPr>
+          <p:cNvSpPr txBox="1"/>
+          <p:nvPr/>
+        </p:nvSpPr>
+        <p:spPr>
+          <a:xfrm>
+            <a:off x="2987040" y="1670050"/>
+            <a:ext cx="2973891" cy="369332"/>
+          </a:xfrm>
+          <a:prstGeom prst="rect">
+            <a:avLst/>
+          </a:prstGeom>
+          <a:noFill/>
+        </p:spPr>
+        <p:txBody>
+          <a:bodyPr wrap="none" rtlCol="0">
+            <a:spAutoFit/>
+          </a:bodyPr>
+          <a:lstStyle/>
+          <a:p>
+            <a:r>
+              <a:rPr lang="zh-CN" altLang="en-US" dirty="0"/>
+              <a:t>背靠背</a:t>
+            </a:r>
+            <a:r>
+              <a:rPr lang="en-US" altLang="zh-CN" dirty="0"/>
+              <a:t>(</a:t>
+            </a:r>
+            <a:r>
+              <a:rPr lang="zh-CN" altLang="en-US" dirty="0"/>
+              <a:t>去除载波</a:t>
+            </a:r>
+            <a:r>
+              <a:rPr lang="en-US" altLang="zh-CN" dirty="0"/>
+              <a:t>-</a:t>
+            </a:r>
+            <a:r>
+              <a:rPr lang="zh-CN" altLang="en-US" dirty="0"/>
+              <a:t>扰动拍频</a:t>
+            </a:r>
+            <a:r>
+              <a:rPr lang="en-US" altLang="zh-CN" dirty="0"/>
+              <a:t>)</a:t>
+            </a:r>
+            <a:endParaRPr lang="zh-CN" altLang="en-US" dirty="0"/>
+          </a:p>
+        </p:txBody>
+      </p:sp>
+      <p:pic>
+        <p:nvPicPr>
+          <p:cNvPr id="6" name="图片 5">
+            <a:extLst>
+              <a:ext uri="{FF2B5EF4-FFF2-40B4-BE49-F238E27FC236}">
+                <a16:creationId xmlns:a16="http://schemas.microsoft.com/office/drawing/2014/main" id="{E62FFFBF-0A74-5024-85F2-93A28E92A8E1}"/>
+              </a:ext>
+            </a:extLst>
+          </p:cNvPr>
+          <p:cNvPicPr>
+            <a:picLocks noChangeAspect="1"/>
+          </p:cNvPicPr>
+          <p:nvPr/>
+        </p:nvPicPr>
+        <p:blipFill>
+          <a:blip r:embed="rId2"/>
+          <a:stretch>
+            <a:fillRect/>
+          </a:stretch>
+        </p:blipFill>
+        <p:spPr>
+          <a:xfrm>
+            <a:off x="813581" y="2432050"/>
+            <a:ext cx="4572000" cy="3200400"/>
+          </a:xfrm>
+          <a:prstGeom prst="rect">
+            <a:avLst/>
+          </a:prstGeom>
+        </p:spPr>
+      </p:pic>
+      <p:pic>
+        <p:nvPicPr>
+          <p:cNvPr id="8" name="图片 7">
+            <a:extLst>
+              <a:ext uri="{FF2B5EF4-FFF2-40B4-BE49-F238E27FC236}">
+                <a16:creationId xmlns:a16="http://schemas.microsoft.com/office/drawing/2014/main" id="{FEFCBABD-7944-3C36-17F8-33EF9BCB1952}"/>
+              </a:ext>
+            </a:extLst>
+          </p:cNvPr>
+          <p:cNvPicPr>
+            <a:picLocks noChangeAspect="1"/>
+          </p:cNvPicPr>
+          <p:nvPr/>
+        </p:nvPicPr>
+        <p:blipFill>
+          <a:blip r:embed="rId3"/>
+          <a:stretch>
+            <a:fillRect/>
+          </a:stretch>
+        </p:blipFill>
+        <p:spPr>
+          <a:xfrm>
+            <a:off x="6314049" y="2432050"/>
+            <a:ext cx="4572000" cy="3200400"/>
+          </a:xfrm>
+          <a:prstGeom prst="rect">
+            <a:avLst/>
+          </a:prstGeom>
+        </p:spPr>
+      </p:pic>
+      <p:sp>
+        <p:nvSpPr>
+          <p:cNvPr id="10" name="文本框 9">
+            <a:extLst>
+              <a:ext uri="{FF2B5EF4-FFF2-40B4-BE49-F238E27FC236}">
+                <a16:creationId xmlns:a16="http://schemas.microsoft.com/office/drawing/2014/main" id="{6198A038-D649-7662-DCE9-F6D87CCB5F76}"/>
+              </a:ext>
+            </a:extLst>
+          </p:cNvPr>
+          <p:cNvSpPr txBox="1"/>
+          <p:nvPr/>
+        </p:nvSpPr>
+        <p:spPr>
+          <a:xfrm>
+            <a:off x="2050365" y="5840452"/>
+            <a:ext cx="1972995" cy="369332"/>
+          </a:xfrm>
+          <a:prstGeom prst="rect">
+            <a:avLst/>
+          </a:prstGeom>
+          <a:noFill/>
+        </p:spPr>
+        <p:txBody>
+          <a:bodyPr wrap="square">
+            <a:spAutoFit/>
+          </a:bodyPr>
+          <a:lstStyle/>
+          <a:p>
+            <a:r>
+              <a:rPr lang="en-US" altLang="zh-CN" dirty="0"/>
+              <a:t>BER = 0.0287833</a:t>
+            </a:r>
+            <a:endParaRPr lang="zh-CN" altLang="en-US" dirty="0"/>
+          </a:p>
+        </p:txBody>
+      </p:sp>
     </p:spTree>
     <p:extLst>
       <p:ext uri="{BB962C8B-B14F-4D97-AF65-F5344CB8AC3E}">
@@ -3823,10 +4154,1538 @@
           </a:p>
         </p:txBody>
       </p:sp>
+      <p:sp>
+        <p:nvSpPr>
+          <p:cNvPr id="3" name="文本框 2">
+            <a:extLst>
+              <a:ext uri="{FF2B5EF4-FFF2-40B4-BE49-F238E27FC236}">
+                <a16:creationId xmlns:a16="http://schemas.microsoft.com/office/drawing/2014/main" id="{C0E92680-414E-13C1-7FCA-DAC66FC650BB}"/>
+              </a:ext>
+            </a:extLst>
+          </p:cNvPr>
+          <p:cNvSpPr txBox="1"/>
+          <p:nvPr/>
+        </p:nvSpPr>
+        <p:spPr>
+          <a:xfrm>
+            <a:off x="1259532" y="1670050"/>
+            <a:ext cx="1338828" cy="369332"/>
+          </a:xfrm>
+          <a:prstGeom prst="rect">
+            <a:avLst/>
+          </a:prstGeom>
+          <a:noFill/>
+        </p:spPr>
+        <p:txBody>
+          <a:bodyPr wrap="none" rtlCol="0">
+            <a:spAutoFit/>
+          </a:bodyPr>
+          <a:lstStyle/>
+          <a:p>
+            <a:r>
+              <a:rPr lang="zh-CN" altLang="en-US" dirty="0"/>
+              <a:t>双边带信号</a:t>
+            </a:r>
+          </a:p>
+        </p:txBody>
+      </p:sp>
+      <p:sp>
+        <p:nvSpPr>
+          <p:cNvPr id="4" name="文本框 3">
+            <a:extLst>
+              <a:ext uri="{FF2B5EF4-FFF2-40B4-BE49-F238E27FC236}">
+                <a16:creationId xmlns:a16="http://schemas.microsoft.com/office/drawing/2014/main" id="{6AB7BCD8-37A5-A295-B32D-89EA2F6605FD}"/>
+              </a:ext>
+            </a:extLst>
+          </p:cNvPr>
+          <p:cNvSpPr txBox="1"/>
+          <p:nvPr/>
+        </p:nvSpPr>
+        <p:spPr>
+          <a:xfrm>
+            <a:off x="2987040" y="1670050"/>
+            <a:ext cx="2627642" cy="369332"/>
+          </a:xfrm>
+          <a:prstGeom prst="rect">
+            <a:avLst/>
+          </a:prstGeom>
+          <a:noFill/>
+        </p:spPr>
+        <p:txBody>
+          <a:bodyPr wrap="none" rtlCol="0">
+            <a:spAutoFit/>
+          </a:bodyPr>
+          <a:lstStyle/>
+          <a:p>
+            <a:r>
+              <a:rPr lang="zh-CN" altLang="en-US" dirty="0"/>
+              <a:t>背靠背</a:t>
+            </a:r>
+            <a:r>
+              <a:rPr lang="en-US" altLang="zh-CN" dirty="0"/>
+              <a:t>(</a:t>
+            </a:r>
+            <a:r>
+              <a:rPr lang="zh-CN" altLang="en-US" dirty="0"/>
+              <a:t>去除扰动平方项</a:t>
+            </a:r>
+            <a:r>
+              <a:rPr lang="en-US" altLang="zh-CN" dirty="0"/>
+              <a:t>)</a:t>
+            </a:r>
+            <a:endParaRPr lang="zh-CN" altLang="en-US" dirty="0"/>
+          </a:p>
+        </p:txBody>
+      </p:sp>
+      <p:pic>
+        <p:nvPicPr>
+          <p:cNvPr id="8" name="图片 7">
+            <a:extLst>
+              <a:ext uri="{FF2B5EF4-FFF2-40B4-BE49-F238E27FC236}">
+                <a16:creationId xmlns:a16="http://schemas.microsoft.com/office/drawing/2014/main" id="{9FABD731-77EF-5FAC-2ADC-EDEF6C1833D5}"/>
+              </a:ext>
+            </a:extLst>
+          </p:cNvPr>
+          <p:cNvPicPr>
+            <a:picLocks noChangeAspect="1"/>
+          </p:cNvPicPr>
+          <p:nvPr/>
+        </p:nvPicPr>
+        <p:blipFill>
+          <a:blip r:embed="rId2"/>
+          <a:stretch>
+            <a:fillRect/>
+          </a:stretch>
+        </p:blipFill>
+        <p:spPr>
+          <a:xfrm>
+            <a:off x="1028700" y="2731965"/>
+            <a:ext cx="4572000" cy="3200400"/>
+          </a:xfrm>
+          <a:prstGeom prst="rect">
+            <a:avLst/>
+          </a:prstGeom>
+        </p:spPr>
+      </p:pic>
+      <p:pic>
+        <p:nvPicPr>
+          <p:cNvPr id="10" name="图片 9">
+            <a:extLst>
+              <a:ext uri="{FF2B5EF4-FFF2-40B4-BE49-F238E27FC236}">
+                <a16:creationId xmlns:a16="http://schemas.microsoft.com/office/drawing/2014/main" id="{56B1FFE5-F993-9EE5-6B1B-AE05898F7D86}"/>
+              </a:ext>
+            </a:extLst>
+          </p:cNvPr>
+          <p:cNvPicPr>
+            <a:picLocks noChangeAspect="1"/>
+          </p:cNvPicPr>
+          <p:nvPr/>
+        </p:nvPicPr>
+        <p:blipFill>
+          <a:blip r:embed="rId3"/>
+          <a:stretch>
+            <a:fillRect/>
+          </a:stretch>
+        </p:blipFill>
+        <p:spPr>
+          <a:xfrm>
+            <a:off x="6591300" y="2731965"/>
+            <a:ext cx="4572000" cy="3200400"/>
+          </a:xfrm>
+          <a:prstGeom prst="rect">
+            <a:avLst/>
+          </a:prstGeom>
+        </p:spPr>
+      </p:pic>
+      <p:sp>
+        <p:nvSpPr>
+          <p:cNvPr id="12" name="文本框 11">
+            <a:extLst>
+              <a:ext uri="{FF2B5EF4-FFF2-40B4-BE49-F238E27FC236}">
+                <a16:creationId xmlns:a16="http://schemas.microsoft.com/office/drawing/2014/main" id="{15D93FA4-16BF-DA4B-577F-E63E6B5FFAFF}"/>
+              </a:ext>
+            </a:extLst>
+          </p:cNvPr>
+          <p:cNvSpPr txBox="1"/>
+          <p:nvPr/>
+        </p:nvSpPr>
+        <p:spPr>
+          <a:xfrm>
+            <a:off x="2551528" y="6096559"/>
+            <a:ext cx="2006404" cy="369332"/>
+          </a:xfrm>
+          <a:prstGeom prst="rect">
+            <a:avLst/>
+          </a:prstGeom>
+          <a:noFill/>
+        </p:spPr>
+        <p:txBody>
+          <a:bodyPr wrap="square">
+            <a:spAutoFit/>
+          </a:bodyPr>
+          <a:lstStyle/>
+          <a:p>
+            <a:r>
+              <a:rPr lang="en-US" altLang="zh-CN" dirty="0"/>
+              <a:t>BER = 0.0299837</a:t>
+            </a:r>
+            <a:endParaRPr lang="zh-CN" altLang="en-US" dirty="0"/>
+          </a:p>
+        </p:txBody>
+      </p:sp>
     </p:spTree>
     <p:extLst>
       <p:ext uri="{BB962C8B-B14F-4D97-AF65-F5344CB8AC3E}">
         <p14:creationId xmlns:p14="http://schemas.microsoft.com/office/powerpoint/2010/main" val="3029721530"/>
+      </p:ext>
+    </p:extLst>
+  </p:cSld>
+  <p:clrMapOvr>
+    <a:masterClrMapping/>
+  </p:clrMapOvr>
+</p:sld>
+</file>
+
+<file path=ppt/slides/slide14.xml><?xml version="1.0" encoding="utf-8"?>
+<p:sld xmlns:a="http://schemas.openxmlformats.org/drawingml/2006/main" xmlns:r="http://schemas.openxmlformats.org/officeDocument/2006/relationships" xmlns:p="http://schemas.openxmlformats.org/presentationml/2006/main">
+  <p:cSld>
+    <p:spTree>
+      <p:nvGrpSpPr>
+        <p:cNvPr id="1" name="">
+          <a:extLst>
+            <a:ext uri="{FF2B5EF4-FFF2-40B4-BE49-F238E27FC236}">
+              <a16:creationId xmlns:a16="http://schemas.microsoft.com/office/drawing/2014/main" id="{B832D9CB-8154-99DA-B113-8D03B06E8498}"/>
+            </a:ext>
+          </a:extLst>
+        </p:cNvPr>
+        <p:cNvGrpSpPr/>
+        <p:nvPr/>
+      </p:nvGrpSpPr>
+      <p:grpSpPr>
+        <a:xfrm>
+          <a:off x="0" y="0"/>
+          <a:ext cx="0" cy="0"/>
+          <a:chOff x="0" y="0"/>
+          <a:chExt cx="0" cy="0"/>
+        </a:xfrm>
+      </p:grpSpPr>
+      <p:sp>
+        <p:nvSpPr>
+          <p:cNvPr id="2" name="文本框 1">
+            <a:extLst>
+              <a:ext uri="{FF2B5EF4-FFF2-40B4-BE49-F238E27FC236}">
+                <a16:creationId xmlns:a16="http://schemas.microsoft.com/office/drawing/2014/main" id="{63B11B28-7286-C6BA-7F5A-6BEAD19E10CD}"/>
+              </a:ext>
+            </a:extLst>
+          </p:cNvPr>
+          <p:cNvSpPr txBox="1"/>
+          <p:nvPr/>
+        </p:nvSpPr>
+        <p:spPr>
+          <a:xfrm>
+            <a:off x="1028700" y="908050"/>
+            <a:ext cx="1569660" cy="369332"/>
+          </a:xfrm>
+          <a:prstGeom prst="rect">
+            <a:avLst/>
+          </a:prstGeom>
+          <a:noFill/>
+        </p:spPr>
+        <p:txBody>
+          <a:bodyPr wrap="none" rtlCol="0">
+            <a:spAutoFit/>
+          </a:bodyPr>
+          <a:lstStyle/>
+          <a:p>
+            <a:r>
+              <a:rPr lang="zh-CN" altLang="en-US" dirty="0"/>
+              <a:t>宽带信号传输</a:t>
+            </a:r>
+          </a:p>
+        </p:txBody>
+      </p:sp>
+      <p:sp>
+        <p:nvSpPr>
+          <p:cNvPr id="3" name="文本框 2">
+            <a:extLst>
+              <a:ext uri="{FF2B5EF4-FFF2-40B4-BE49-F238E27FC236}">
+                <a16:creationId xmlns:a16="http://schemas.microsoft.com/office/drawing/2014/main" id="{D1177B92-1FBD-2492-DAFD-AA8FAE285700}"/>
+              </a:ext>
+            </a:extLst>
+          </p:cNvPr>
+          <p:cNvSpPr txBox="1"/>
+          <p:nvPr/>
+        </p:nvSpPr>
+        <p:spPr>
+          <a:xfrm>
+            <a:off x="1259532" y="1670050"/>
+            <a:ext cx="1338828" cy="369332"/>
+          </a:xfrm>
+          <a:prstGeom prst="rect">
+            <a:avLst/>
+          </a:prstGeom>
+          <a:noFill/>
+        </p:spPr>
+        <p:txBody>
+          <a:bodyPr wrap="none" rtlCol="0">
+            <a:spAutoFit/>
+          </a:bodyPr>
+          <a:lstStyle/>
+          <a:p>
+            <a:r>
+              <a:rPr lang="zh-CN" altLang="en-US" dirty="0"/>
+              <a:t>双边带信号</a:t>
+            </a:r>
+          </a:p>
+        </p:txBody>
+      </p:sp>
+      <p:sp>
+        <p:nvSpPr>
+          <p:cNvPr id="4" name="文本框 3">
+            <a:extLst>
+              <a:ext uri="{FF2B5EF4-FFF2-40B4-BE49-F238E27FC236}">
+                <a16:creationId xmlns:a16="http://schemas.microsoft.com/office/drawing/2014/main" id="{D477D4E0-0023-1B5E-E59E-A3AC125C9ACC}"/>
+              </a:ext>
+            </a:extLst>
+          </p:cNvPr>
+          <p:cNvSpPr txBox="1"/>
+          <p:nvPr/>
+        </p:nvSpPr>
+        <p:spPr>
+          <a:xfrm>
+            <a:off x="2987040" y="1670050"/>
+            <a:ext cx="2627642" cy="369332"/>
+          </a:xfrm>
+          <a:prstGeom prst="rect">
+            <a:avLst/>
+          </a:prstGeom>
+          <a:noFill/>
+        </p:spPr>
+        <p:txBody>
+          <a:bodyPr wrap="none" rtlCol="0">
+            <a:spAutoFit/>
+          </a:bodyPr>
+          <a:lstStyle/>
+          <a:p>
+            <a:r>
+              <a:rPr lang="zh-CN" altLang="en-US" dirty="0"/>
+              <a:t>背靠背</a:t>
+            </a:r>
+            <a:r>
+              <a:rPr lang="en-US" altLang="zh-CN" dirty="0"/>
+              <a:t>(</a:t>
+            </a:r>
+            <a:r>
+              <a:rPr lang="zh-CN" altLang="en-US" dirty="0"/>
+              <a:t>去除扰动拍频项</a:t>
+            </a:r>
+            <a:r>
+              <a:rPr lang="en-US" altLang="zh-CN" dirty="0"/>
+              <a:t>)</a:t>
+            </a:r>
+            <a:endParaRPr lang="zh-CN" altLang="en-US" dirty="0"/>
+          </a:p>
+        </p:txBody>
+      </p:sp>
+      <p:pic>
+        <p:nvPicPr>
+          <p:cNvPr id="6" name="图片 5">
+            <a:extLst>
+              <a:ext uri="{FF2B5EF4-FFF2-40B4-BE49-F238E27FC236}">
+                <a16:creationId xmlns:a16="http://schemas.microsoft.com/office/drawing/2014/main" id="{8B515F08-AEF5-0965-0E01-2A2E46A89950}"/>
+              </a:ext>
+            </a:extLst>
+          </p:cNvPr>
+          <p:cNvPicPr>
+            <a:picLocks noChangeAspect="1"/>
+          </p:cNvPicPr>
+          <p:nvPr/>
+        </p:nvPicPr>
+        <p:blipFill>
+          <a:blip r:embed="rId2"/>
+          <a:stretch>
+            <a:fillRect/>
+          </a:stretch>
+        </p:blipFill>
+        <p:spPr>
+          <a:xfrm>
+            <a:off x="869853" y="2432050"/>
+            <a:ext cx="4572000" cy="3200400"/>
+          </a:xfrm>
+          <a:prstGeom prst="rect">
+            <a:avLst/>
+          </a:prstGeom>
+        </p:spPr>
+      </p:pic>
+      <p:pic>
+        <p:nvPicPr>
+          <p:cNvPr id="8" name="图片 7">
+            <a:extLst>
+              <a:ext uri="{FF2B5EF4-FFF2-40B4-BE49-F238E27FC236}">
+                <a16:creationId xmlns:a16="http://schemas.microsoft.com/office/drawing/2014/main" id="{2E5F853F-9913-9F08-0CC2-4C4FC2DDF52E}"/>
+              </a:ext>
+            </a:extLst>
+          </p:cNvPr>
+          <p:cNvPicPr>
+            <a:picLocks noChangeAspect="1"/>
+          </p:cNvPicPr>
+          <p:nvPr/>
+        </p:nvPicPr>
+        <p:blipFill>
+          <a:blip r:embed="rId3"/>
+          <a:stretch>
+            <a:fillRect/>
+          </a:stretch>
+        </p:blipFill>
+        <p:spPr>
+          <a:xfrm>
+            <a:off x="6229643" y="2432050"/>
+            <a:ext cx="4572000" cy="3200400"/>
+          </a:xfrm>
+          <a:prstGeom prst="rect">
+            <a:avLst/>
+          </a:prstGeom>
+        </p:spPr>
+      </p:pic>
+      <p:sp>
+        <p:nvSpPr>
+          <p:cNvPr id="10" name="文本框 9">
+            <a:extLst>
+              <a:ext uri="{FF2B5EF4-FFF2-40B4-BE49-F238E27FC236}">
+                <a16:creationId xmlns:a16="http://schemas.microsoft.com/office/drawing/2014/main" id="{9328AA92-4222-0519-E837-A8C4A25DAF95}"/>
+              </a:ext>
+            </a:extLst>
+          </p:cNvPr>
+          <p:cNvSpPr txBox="1"/>
+          <p:nvPr/>
+        </p:nvSpPr>
+        <p:spPr>
+          <a:xfrm>
+            <a:off x="2289516" y="5949950"/>
+            <a:ext cx="1944859" cy="369332"/>
+          </a:xfrm>
+          <a:prstGeom prst="rect">
+            <a:avLst/>
+          </a:prstGeom>
+          <a:noFill/>
+        </p:spPr>
+        <p:txBody>
+          <a:bodyPr wrap="square">
+            <a:spAutoFit/>
+          </a:bodyPr>
+          <a:lstStyle/>
+          <a:p>
+            <a:r>
+              <a:rPr lang="en-US" altLang="zh-CN" dirty="0"/>
+              <a:t>BER = 0.0136296</a:t>
+            </a:r>
+            <a:endParaRPr lang="zh-CN" altLang="en-US" dirty="0"/>
+          </a:p>
+        </p:txBody>
+      </p:sp>
+    </p:spTree>
+    <p:extLst>
+      <p:ext uri="{BB962C8B-B14F-4D97-AF65-F5344CB8AC3E}">
+        <p14:creationId xmlns:p14="http://schemas.microsoft.com/office/powerpoint/2010/main" val="3814729456"/>
+      </p:ext>
+    </p:extLst>
+  </p:cSld>
+  <p:clrMapOvr>
+    <a:masterClrMapping/>
+  </p:clrMapOvr>
+</p:sld>
+</file>
+
+<file path=ppt/slides/slide15.xml><?xml version="1.0" encoding="utf-8"?>
+<p:sld xmlns:a="http://schemas.openxmlformats.org/drawingml/2006/main" xmlns:r="http://schemas.openxmlformats.org/officeDocument/2006/relationships" xmlns:p="http://schemas.openxmlformats.org/presentationml/2006/main">
+  <p:cSld>
+    <p:spTree>
+      <p:nvGrpSpPr>
+        <p:cNvPr id="1" name="">
+          <a:extLst>
+            <a:ext uri="{FF2B5EF4-FFF2-40B4-BE49-F238E27FC236}">
+              <a16:creationId xmlns:a16="http://schemas.microsoft.com/office/drawing/2014/main" id="{AB7E0DFC-7889-99B0-4F49-607E569834D1}"/>
+            </a:ext>
+          </a:extLst>
+        </p:cNvPr>
+        <p:cNvGrpSpPr/>
+        <p:nvPr/>
+      </p:nvGrpSpPr>
+      <p:grpSpPr>
+        <a:xfrm>
+          <a:off x="0" y="0"/>
+          <a:ext cx="0" cy="0"/>
+          <a:chOff x="0" y="0"/>
+          <a:chExt cx="0" cy="0"/>
+        </a:xfrm>
+      </p:grpSpPr>
+      <p:sp>
+        <p:nvSpPr>
+          <p:cNvPr id="2" name="文本框 1">
+            <a:extLst>
+              <a:ext uri="{FF2B5EF4-FFF2-40B4-BE49-F238E27FC236}">
+                <a16:creationId xmlns:a16="http://schemas.microsoft.com/office/drawing/2014/main" id="{AA365EC4-54C9-9ACC-E8B5-98FB8BDC15D3}"/>
+              </a:ext>
+            </a:extLst>
+          </p:cNvPr>
+          <p:cNvSpPr txBox="1"/>
+          <p:nvPr/>
+        </p:nvSpPr>
+        <p:spPr>
+          <a:xfrm>
+            <a:off x="1028700" y="908050"/>
+            <a:ext cx="1569660" cy="369332"/>
+          </a:xfrm>
+          <a:prstGeom prst="rect">
+            <a:avLst/>
+          </a:prstGeom>
+          <a:noFill/>
+        </p:spPr>
+        <p:txBody>
+          <a:bodyPr wrap="none" rtlCol="0">
+            <a:spAutoFit/>
+          </a:bodyPr>
+          <a:lstStyle/>
+          <a:p>
+            <a:r>
+              <a:rPr lang="zh-CN" altLang="en-US" dirty="0"/>
+              <a:t>宽带信号传输</a:t>
+            </a:r>
+          </a:p>
+        </p:txBody>
+      </p:sp>
+      <p:sp>
+        <p:nvSpPr>
+          <p:cNvPr id="3" name="文本框 2">
+            <a:extLst>
+              <a:ext uri="{FF2B5EF4-FFF2-40B4-BE49-F238E27FC236}">
+                <a16:creationId xmlns:a16="http://schemas.microsoft.com/office/drawing/2014/main" id="{B07C6F87-ABD4-E1EE-0EF3-AA23E3CF9554}"/>
+              </a:ext>
+            </a:extLst>
+          </p:cNvPr>
+          <p:cNvSpPr txBox="1"/>
+          <p:nvPr/>
+        </p:nvSpPr>
+        <p:spPr>
+          <a:xfrm>
+            <a:off x="1259532" y="1670050"/>
+            <a:ext cx="1338828" cy="369332"/>
+          </a:xfrm>
+          <a:prstGeom prst="rect">
+            <a:avLst/>
+          </a:prstGeom>
+          <a:noFill/>
+        </p:spPr>
+        <p:txBody>
+          <a:bodyPr wrap="none" rtlCol="0">
+            <a:spAutoFit/>
+          </a:bodyPr>
+          <a:lstStyle/>
+          <a:p>
+            <a:r>
+              <a:rPr lang="zh-CN" altLang="en-US" dirty="0"/>
+              <a:t>双边带信号</a:t>
+            </a:r>
+          </a:p>
+        </p:txBody>
+      </p:sp>
+      <p:sp>
+        <p:nvSpPr>
+          <p:cNvPr id="4" name="文本框 3">
+            <a:extLst>
+              <a:ext uri="{FF2B5EF4-FFF2-40B4-BE49-F238E27FC236}">
+                <a16:creationId xmlns:a16="http://schemas.microsoft.com/office/drawing/2014/main" id="{252722DA-8E0B-7031-8216-8F2E588BBE5A}"/>
+              </a:ext>
+            </a:extLst>
+          </p:cNvPr>
+          <p:cNvSpPr txBox="1"/>
+          <p:nvPr/>
+        </p:nvSpPr>
+        <p:spPr>
+          <a:xfrm>
+            <a:off x="2987040" y="1670050"/>
+            <a:ext cx="4128053" cy="369332"/>
+          </a:xfrm>
+          <a:prstGeom prst="rect">
+            <a:avLst/>
+          </a:prstGeom>
+          <a:noFill/>
+        </p:spPr>
+        <p:txBody>
+          <a:bodyPr wrap="none" rtlCol="0">
+            <a:spAutoFit/>
+          </a:bodyPr>
+          <a:lstStyle/>
+          <a:p>
+            <a:r>
+              <a:rPr lang="zh-CN" altLang="en-US" dirty="0"/>
+              <a:t>背靠背</a:t>
+            </a:r>
+            <a:r>
+              <a:rPr lang="en-US" altLang="zh-CN" dirty="0"/>
+              <a:t>(</a:t>
+            </a:r>
+            <a:r>
+              <a:rPr lang="zh-CN" altLang="en-US" dirty="0"/>
+              <a:t>去除扰动拍频和载波</a:t>
+            </a:r>
+            <a:r>
+              <a:rPr lang="en-US" altLang="zh-CN" dirty="0"/>
+              <a:t>-</a:t>
+            </a:r>
+            <a:r>
+              <a:rPr lang="zh-CN" altLang="en-US" dirty="0"/>
+              <a:t>扰动拍频</a:t>
+            </a:r>
+            <a:r>
+              <a:rPr lang="en-US" altLang="zh-CN" dirty="0"/>
+              <a:t>)</a:t>
+            </a:r>
+            <a:endParaRPr lang="zh-CN" altLang="en-US" dirty="0"/>
+          </a:p>
+        </p:txBody>
+      </p:sp>
+      <p:pic>
+        <p:nvPicPr>
+          <p:cNvPr id="6" name="图片 5">
+            <a:extLst>
+              <a:ext uri="{FF2B5EF4-FFF2-40B4-BE49-F238E27FC236}">
+                <a16:creationId xmlns:a16="http://schemas.microsoft.com/office/drawing/2014/main" id="{982CD6A4-534D-0C3E-38DB-F308F9743F1F}"/>
+              </a:ext>
+            </a:extLst>
+          </p:cNvPr>
+          <p:cNvPicPr>
+            <a:picLocks noChangeAspect="1"/>
+          </p:cNvPicPr>
+          <p:nvPr/>
+        </p:nvPicPr>
+        <p:blipFill>
+          <a:blip r:embed="rId2"/>
+          <a:stretch>
+            <a:fillRect/>
+          </a:stretch>
+        </p:blipFill>
+        <p:spPr>
+          <a:xfrm>
+            <a:off x="1028700" y="2432050"/>
+            <a:ext cx="4572000" cy="3200400"/>
+          </a:xfrm>
+          <a:prstGeom prst="rect">
+            <a:avLst/>
+          </a:prstGeom>
+        </p:spPr>
+      </p:pic>
+      <p:pic>
+        <p:nvPicPr>
+          <p:cNvPr id="8" name="图片 7">
+            <a:extLst>
+              <a:ext uri="{FF2B5EF4-FFF2-40B4-BE49-F238E27FC236}">
+                <a16:creationId xmlns:a16="http://schemas.microsoft.com/office/drawing/2014/main" id="{8E6FE406-DFCA-2314-A263-B34DFF7534F9}"/>
+              </a:ext>
+            </a:extLst>
+          </p:cNvPr>
+          <p:cNvPicPr>
+            <a:picLocks noChangeAspect="1"/>
+          </p:cNvPicPr>
+          <p:nvPr/>
+        </p:nvPicPr>
+        <p:blipFill>
+          <a:blip r:embed="rId3"/>
+          <a:stretch>
+            <a:fillRect/>
+          </a:stretch>
+        </p:blipFill>
+        <p:spPr>
+          <a:xfrm>
+            <a:off x="6059488" y="2511278"/>
+            <a:ext cx="4572000" cy="3200400"/>
+          </a:xfrm>
+          <a:prstGeom prst="rect">
+            <a:avLst/>
+          </a:prstGeom>
+        </p:spPr>
+      </p:pic>
+      <p:sp>
+        <p:nvSpPr>
+          <p:cNvPr id="10" name="文本框 9">
+            <a:extLst>
+              <a:ext uri="{FF2B5EF4-FFF2-40B4-BE49-F238E27FC236}">
+                <a16:creationId xmlns:a16="http://schemas.microsoft.com/office/drawing/2014/main" id="{675EBD1D-DA61-A2C8-BAB9-313E616D0BCA}"/>
+              </a:ext>
+            </a:extLst>
+          </p:cNvPr>
+          <p:cNvSpPr txBox="1"/>
+          <p:nvPr/>
+        </p:nvSpPr>
+        <p:spPr>
+          <a:xfrm>
+            <a:off x="2767819" y="5840452"/>
+            <a:ext cx="1888587" cy="369332"/>
+          </a:xfrm>
+          <a:prstGeom prst="rect">
+            <a:avLst/>
+          </a:prstGeom>
+          <a:noFill/>
+        </p:spPr>
+        <p:txBody>
+          <a:bodyPr wrap="square">
+            <a:spAutoFit/>
+          </a:bodyPr>
+          <a:lstStyle/>
+          <a:p>
+            <a:r>
+              <a:rPr lang="en-US" altLang="zh-CN" dirty="0"/>
+              <a:t>BER = 0.0000000</a:t>
+            </a:r>
+            <a:endParaRPr lang="zh-CN" altLang="en-US" dirty="0"/>
+          </a:p>
+        </p:txBody>
+      </p:sp>
+    </p:spTree>
+    <p:extLst>
+      <p:ext uri="{BB962C8B-B14F-4D97-AF65-F5344CB8AC3E}">
+        <p14:creationId xmlns:p14="http://schemas.microsoft.com/office/powerpoint/2010/main" val="2585070470"/>
+      </p:ext>
+    </p:extLst>
+  </p:cSld>
+  <p:clrMapOvr>
+    <a:masterClrMapping/>
+  </p:clrMapOvr>
+</p:sld>
+</file>
+
+<file path=ppt/slides/slide16.xml><?xml version="1.0" encoding="utf-8"?>
+<p:sld xmlns:a="http://schemas.openxmlformats.org/drawingml/2006/main" xmlns:r="http://schemas.openxmlformats.org/officeDocument/2006/relationships" xmlns:p="http://schemas.openxmlformats.org/presentationml/2006/main">
+  <p:cSld>
+    <p:spTree>
+      <p:nvGrpSpPr>
+        <p:cNvPr id="1" name="">
+          <a:extLst>
+            <a:ext uri="{FF2B5EF4-FFF2-40B4-BE49-F238E27FC236}">
+              <a16:creationId xmlns:a16="http://schemas.microsoft.com/office/drawing/2014/main" id="{BEACAD0D-6F1D-CB79-8A1B-1FDA4EFC302C}"/>
+            </a:ext>
+          </a:extLst>
+        </p:cNvPr>
+        <p:cNvGrpSpPr/>
+        <p:nvPr/>
+      </p:nvGrpSpPr>
+      <p:grpSpPr>
+        <a:xfrm>
+          <a:off x="0" y="0"/>
+          <a:ext cx="0" cy="0"/>
+          <a:chOff x="0" y="0"/>
+          <a:chExt cx="0" cy="0"/>
+        </a:xfrm>
+      </p:grpSpPr>
+      <p:sp>
+        <p:nvSpPr>
+          <p:cNvPr id="2" name="文本框 1">
+            <a:extLst>
+              <a:ext uri="{FF2B5EF4-FFF2-40B4-BE49-F238E27FC236}">
+                <a16:creationId xmlns:a16="http://schemas.microsoft.com/office/drawing/2014/main" id="{B10388FD-C6DB-448C-DB8F-41805F5C954C}"/>
+              </a:ext>
+            </a:extLst>
+          </p:cNvPr>
+          <p:cNvSpPr txBox="1"/>
+          <p:nvPr/>
+        </p:nvSpPr>
+        <p:spPr>
+          <a:xfrm>
+            <a:off x="1028700" y="908050"/>
+            <a:ext cx="1569660" cy="369332"/>
+          </a:xfrm>
+          <a:prstGeom prst="rect">
+            <a:avLst/>
+          </a:prstGeom>
+          <a:noFill/>
+        </p:spPr>
+        <p:txBody>
+          <a:bodyPr wrap="none" rtlCol="0">
+            <a:spAutoFit/>
+          </a:bodyPr>
+          <a:lstStyle/>
+          <a:p>
+            <a:r>
+              <a:rPr lang="zh-CN" altLang="en-US" dirty="0"/>
+              <a:t>宽带信号传输</a:t>
+            </a:r>
+          </a:p>
+        </p:txBody>
+      </p:sp>
+      <p:pic>
+        <p:nvPicPr>
+          <p:cNvPr id="3" name="图片 2">
+            <a:extLst>
+              <a:ext uri="{FF2B5EF4-FFF2-40B4-BE49-F238E27FC236}">
+                <a16:creationId xmlns:a16="http://schemas.microsoft.com/office/drawing/2014/main" id="{67D60312-1047-0B3F-24EE-68B2AEB444C9}"/>
+              </a:ext>
+            </a:extLst>
+          </p:cNvPr>
+          <p:cNvPicPr>
+            <a:picLocks noChangeAspect="1"/>
+          </p:cNvPicPr>
+          <p:nvPr/>
+        </p:nvPicPr>
+        <p:blipFill>
+          <a:blip r:embed="rId2"/>
+          <a:stretch>
+            <a:fillRect/>
+          </a:stretch>
+        </p:blipFill>
+        <p:spPr>
+          <a:xfrm>
+            <a:off x="841717" y="2030437"/>
+            <a:ext cx="4572000" cy="3810000"/>
+          </a:xfrm>
+          <a:prstGeom prst="rect">
+            <a:avLst/>
+          </a:prstGeom>
+        </p:spPr>
+      </p:pic>
+      <p:sp>
+        <p:nvSpPr>
+          <p:cNvPr id="4" name="文本框 3">
+            <a:extLst>
+              <a:ext uri="{FF2B5EF4-FFF2-40B4-BE49-F238E27FC236}">
+                <a16:creationId xmlns:a16="http://schemas.microsoft.com/office/drawing/2014/main" id="{1E4E5DA3-4761-0141-F297-EF5A6A8DE404}"/>
+              </a:ext>
+            </a:extLst>
+          </p:cNvPr>
+          <p:cNvSpPr txBox="1"/>
+          <p:nvPr/>
+        </p:nvSpPr>
+        <p:spPr>
+          <a:xfrm>
+            <a:off x="1259532" y="1670050"/>
+            <a:ext cx="1338828" cy="369332"/>
+          </a:xfrm>
+          <a:prstGeom prst="rect">
+            <a:avLst/>
+          </a:prstGeom>
+          <a:noFill/>
+        </p:spPr>
+        <p:txBody>
+          <a:bodyPr wrap="none" rtlCol="0">
+            <a:spAutoFit/>
+          </a:bodyPr>
+          <a:lstStyle/>
+          <a:p>
+            <a:r>
+              <a:rPr lang="zh-CN" altLang="en-US" dirty="0"/>
+              <a:t>双边带信号</a:t>
+            </a:r>
+          </a:p>
+        </p:txBody>
+      </p:sp>
+      <p:pic>
+        <p:nvPicPr>
+          <p:cNvPr id="6" name="图片 5">
+            <a:extLst>
+              <a:ext uri="{FF2B5EF4-FFF2-40B4-BE49-F238E27FC236}">
+                <a16:creationId xmlns:a16="http://schemas.microsoft.com/office/drawing/2014/main" id="{52C4E9E3-B58E-5630-6538-E29619FD34FF}"/>
+              </a:ext>
+            </a:extLst>
+          </p:cNvPr>
+          <p:cNvPicPr>
+            <a:picLocks noChangeAspect="1"/>
+          </p:cNvPicPr>
+          <p:nvPr/>
+        </p:nvPicPr>
+        <p:blipFill>
+          <a:blip r:embed="rId3"/>
+          <a:stretch>
+            <a:fillRect/>
+          </a:stretch>
+        </p:blipFill>
+        <p:spPr>
+          <a:xfrm>
+            <a:off x="6222609" y="2039382"/>
+            <a:ext cx="4572000" cy="3810000"/>
+          </a:xfrm>
+          <a:prstGeom prst="rect">
+            <a:avLst/>
+          </a:prstGeom>
+        </p:spPr>
+      </p:pic>
+      <p:sp>
+        <p:nvSpPr>
+          <p:cNvPr id="7" name="文本框 6">
+            <a:extLst>
+              <a:ext uri="{FF2B5EF4-FFF2-40B4-BE49-F238E27FC236}">
+                <a16:creationId xmlns:a16="http://schemas.microsoft.com/office/drawing/2014/main" id="{28FA383B-5097-7B0E-F5C7-AC3EED8E4F6C}"/>
+              </a:ext>
+            </a:extLst>
+          </p:cNvPr>
+          <p:cNvSpPr txBox="1"/>
+          <p:nvPr/>
+        </p:nvSpPr>
+        <p:spPr>
+          <a:xfrm>
+            <a:off x="6602911" y="1738169"/>
+            <a:ext cx="1338828" cy="369332"/>
+          </a:xfrm>
+          <a:prstGeom prst="rect">
+            <a:avLst/>
+          </a:prstGeom>
+          <a:noFill/>
+        </p:spPr>
+        <p:txBody>
+          <a:bodyPr wrap="none" rtlCol="0">
+            <a:spAutoFit/>
+          </a:bodyPr>
+          <a:lstStyle/>
+          <a:p>
+            <a:r>
+              <a:rPr lang="zh-CN" altLang="en-US" dirty="0"/>
+              <a:t>单边带信号</a:t>
+            </a:r>
+          </a:p>
+        </p:txBody>
+      </p:sp>
+    </p:spTree>
+    <p:extLst>
+      <p:ext uri="{BB962C8B-B14F-4D97-AF65-F5344CB8AC3E}">
+        <p14:creationId xmlns:p14="http://schemas.microsoft.com/office/powerpoint/2010/main" val="813350380"/>
+      </p:ext>
+    </p:extLst>
+  </p:cSld>
+  <p:clrMapOvr>
+    <a:masterClrMapping/>
+  </p:clrMapOvr>
+</p:sld>
+</file>
+
+<file path=ppt/slides/slide17.xml><?xml version="1.0" encoding="utf-8"?>
+<p:sld xmlns:a="http://schemas.openxmlformats.org/drawingml/2006/main" xmlns:r="http://schemas.openxmlformats.org/officeDocument/2006/relationships" xmlns:p="http://schemas.openxmlformats.org/presentationml/2006/main">
+  <p:cSld>
+    <p:spTree>
+      <p:nvGrpSpPr>
+        <p:cNvPr id="1" name="">
+          <a:extLst>
+            <a:ext uri="{FF2B5EF4-FFF2-40B4-BE49-F238E27FC236}">
+              <a16:creationId xmlns:a16="http://schemas.microsoft.com/office/drawing/2014/main" id="{31574DDC-38BC-5F66-677B-78A50455B96C}"/>
+            </a:ext>
+          </a:extLst>
+        </p:cNvPr>
+        <p:cNvGrpSpPr/>
+        <p:nvPr/>
+      </p:nvGrpSpPr>
+      <p:grpSpPr>
+        <a:xfrm>
+          <a:off x="0" y="0"/>
+          <a:ext cx="0" cy="0"/>
+          <a:chOff x="0" y="0"/>
+          <a:chExt cx="0" cy="0"/>
+        </a:xfrm>
+      </p:grpSpPr>
+      <p:sp>
+        <p:nvSpPr>
+          <p:cNvPr id="2" name="文本框 1">
+            <a:extLst>
+              <a:ext uri="{FF2B5EF4-FFF2-40B4-BE49-F238E27FC236}">
+                <a16:creationId xmlns:a16="http://schemas.microsoft.com/office/drawing/2014/main" id="{5287D535-2650-7FCB-645A-FB2EBE04C3AB}"/>
+              </a:ext>
+            </a:extLst>
+          </p:cNvPr>
+          <p:cNvSpPr txBox="1"/>
+          <p:nvPr/>
+        </p:nvSpPr>
+        <p:spPr>
+          <a:xfrm>
+            <a:off x="1028700" y="908050"/>
+            <a:ext cx="1569660" cy="369332"/>
+          </a:xfrm>
+          <a:prstGeom prst="rect">
+            <a:avLst/>
+          </a:prstGeom>
+          <a:noFill/>
+        </p:spPr>
+        <p:txBody>
+          <a:bodyPr wrap="none" rtlCol="0">
+            <a:spAutoFit/>
+          </a:bodyPr>
+          <a:lstStyle/>
+          <a:p>
+            <a:r>
+              <a:rPr lang="zh-CN" altLang="en-US" dirty="0"/>
+              <a:t>宽带信号传输</a:t>
+            </a:r>
+          </a:p>
+        </p:txBody>
+      </p:sp>
+      <p:pic>
+        <p:nvPicPr>
+          <p:cNvPr id="5" name="图片 4">
+            <a:extLst>
+              <a:ext uri="{FF2B5EF4-FFF2-40B4-BE49-F238E27FC236}">
+                <a16:creationId xmlns:a16="http://schemas.microsoft.com/office/drawing/2014/main" id="{243F878F-D2EF-8832-E13D-A90228861C46}"/>
+              </a:ext>
+            </a:extLst>
+          </p:cNvPr>
+          <p:cNvPicPr>
+            <a:picLocks noChangeAspect="1"/>
+          </p:cNvPicPr>
+          <p:nvPr/>
+        </p:nvPicPr>
+        <p:blipFill>
+          <a:blip r:embed="rId2"/>
+          <a:stretch>
+            <a:fillRect/>
+          </a:stretch>
+        </p:blipFill>
+        <p:spPr>
+          <a:xfrm>
+            <a:off x="869850" y="1812388"/>
+            <a:ext cx="4572000" cy="3810000"/>
+          </a:xfrm>
+          <a:prstGeom prst="rect">
+            <a:avLst/>
+          </a:prstGeom>
+        </p:spPr>
+      </p:pic>
+      <p:sp>
+        <p:nvSpPr>
+          <p:cNvPr id="6" name="文本框 5">
+            <a:extLst>
+              <a:ext uri="{FF2B5EF4-FFF2-40B4-BE49-F238E27FC236}">
+                <a16:creationId xmlns:a16="http://schemas.microsoft.com/office/drawing/2014/main" id="{056983CD-4F0E-CB73-AB3F-1C85820BB687}"/>
+              </a:ext>
+            </a:extLst>
+          </p:cNvPr>
+          <p:cNvSpPr txBox="1"/>
+          <p:nvPr/>
+        </p:nvSpPr>
+        <p:spPr>
+          <a:xfrm>
+            <a:off x="1259532" y="1421954"/>
+            <a:ext cx="1338828" cy="369332"/>
+          </a:xfrm>
+          <a:prstGeom prst="rect">
+            <a:avLst/>
+          </a:prstGeom>
+          <a:noFill/>
+        </p:spPr>
+        <p:txBody>
+          <a:bodyPr wrap="none" rtlCol="0">
+            <a:spAutoFit/>
+          </a:bodyPr>
+          <a:lstStyle/>
+          <a:p>
+            <a:r>
+              <a:rPr lang="zh-CN" altLang="en-US" dirty="0"/>
+              <a:t>双边带信号</a:t>
+            </a:r>
+          </a:p>
+        </p:txBody>
+      </p:sp>
+      <p:sp>
+        <p:nvSpPr>
+          <p:cNvPr id="7" name="文本框 6">
+            <a:extLst>
+              <a:ext uri="{FF2B5EF4-FFF2-40B4-BE49-F238E27FC236}">
+                <a16:creationId xmlns:a16="http://schemas.microsoft.com/office/drawing/2014/main" id="{70E3EBE4-663C-2275-F687-0452BA1B3DCA}"/>
+              </a:ext>
+            </a:extLst>
+          </p:cNvPr>
+          <p:cNvSpPr txBox="1"/>
+          <p:nvPr/>
+        </p:nvSpPr>
+        <p:spPr>
+          <a:xfrm>
+            <a:off x="6518505" y="1421954"/>
+            <a:ext cx="1338828" cy="369332"/>
+          </a:xfrm>
+          <a:prstGeom prst="rect">
+            <a:avLst/>
+          </a:prstGeom>
+          <a:noFill/>
+        </p:spPr>
+        <p:txBody>
+          <a:bodyPr wrap="none" rtlCol="0">
+            <a:spAutoFit/>
+          </a:bodyPr>
+          <a:lstStyle/>
+          <a:p>
+            <a:r>
+              <a:rPr lang="zh-CN" altLang="en-US" dirty="0"/>
+              <a:t>单边带信号</a:t>
+            </a:r>
+          </a:p>
+        </p:txBody>
+      </p:sp>
+      <p:pic>
+        <p:nvPicPr>
+          <p:cNvPr id="10" name="图片 9">
+            <a:extLst>
+              <a:ext uri="{FF2B5EF4-FFF2-40B4-BE49-F238E27FC236}">
+                <a16:creationId xmlns:a16="http://schemas.microsoft.com/office/drawing/2014/main" id="{0C44DDCC-E89F-4D26-6BEE-00D5FDAE5887}"/>
+              </a:ext>
+            </a:extLst>
+          </p:cNvPr>
+          <p:cNvPicPr>
+            <a:picLocks noChangeAspect="1"/>
+          </p:cNvPicPr>
+          <p:nvPr/>
+        </p:nvPicPr>
+        <p:blipFill>
+          <a:blip r:embed="rId3"/>
+          <a:stretch>
+            <a:fillRect/>
+          </a:stretch>
+        </p:blipFill>
+        <p:spPr>
+          <a:xfrm>
+            <a:off x="6750150" y="1886244"/>
+            <a:ext cx="4572000" cy="3810000"/>
+          </a:xfrm>
+          <a:prstGeom prst="rect">
+            <a:avLst/>
+          </a:prstGeom>
+        </p:spPr>
+      </p:pic>
+    </p:spTree>
+    <p:extLst>
+      <p:ext uri="{BB962C8B-B14F-4D97-AF65-F5344CB8AC3E}">
+        <p14:creationId xmlns:p14="http://schemas.microsoft.com/office/powerpoint/2010/main" val="774845534"/>
+      </p:ext>
+    </p:extLst>
+  </p:cSld>
+  <p:clrMapOvr>
+    <a:masterClrMapping/>
+  </p:clrMapOvr>
+</p:sld>
+</file>
+
+<file path=ppt/slides/slide18.xml><?xml version="1.0" encoding="utf-8"?>
+<p:sld xmlns:a="http://schemas.openxmlformats.org/drawingml/2006/main" xmlns:r="http://schemas.openxmlformats.org/officeDocument/2006/relationships" xmlns:p="http://schemas.openxmlformats.org/presentationml/2006/main">
+  <p:cSld>
+    <p:spTree>
+      <p:nvGrpSpPr>
+        <p:cNvPr id="1" name="">
+          <a:extLst>
+            <a:ext uri="{FF2B5EF4-FFF2-40B4-BE49-F238E27FC236}">
+              <a16:creationId xmlns:a16="http://schemas.microsoft.com/office/drawing/2014/main" id="{37A4CFAB-F850-1CA7-3CF8-1C175D665414}"/>
+            </a:ext>
+          </a:extLst>
+        </p:cNvPr>
+        <p:cNvGrpSpPr/>
+        <p:nvPr/>
+      </p:nvGrpSpPr>
+      <p:grpSpPr>
+        <a:xfrm>
+          <a:off x="0" y="0"/>
+          <a:ext cx="0" cy="0"/>
+          <a:chOff x="0" y="0"/>
+          <a:chExt cx="0" cy="0"/>
+        </a:xfrm>
+      </p:grpSpPr>
+      <p:sp>
+        <p:nvSpPr>
+          <p:cNvPr id="2" name="文本框 1">
+            <a:extLst>
+              <a:ext uri="{FF2B5EF4-FFF2-40B4-BE49-F238E27FC236}">
+                <a16:creationId xmlns:a16="http://schemas.microsoft.com/office/drawing/2014/main" id="{6EB5392F-1C7B-12A9-1153-6D8BBC139826}"/>
+              </a:ext>
+            </a:extLst>
+          </p:cNvPr>
+          <p:cNvSpPr txBox="1"/>
+          <p:nvPr/>
+        </p:nvSpPr>
+        <p:spPr>
+          <a:xfrm>
+            <a:off x="1028700" y="908050"/>
+            <a:ext cx="2031325" cy="369332"/>
+          </a:xfrm>
+          <a:prstGeom prst="rect">
+            <a:avLst/>
+          </a:prstGeom>
+          <a:noFill/>
+        </p:spPr>
+        <p:txBody>
+          <a:bodyPr wrap="none" rtlCol="0">
+            <a:spAutoFit/>
+          </a:bodyPr>
+          <a:lstStyle/>
+          <a:p>
+            <a:r>
+              <a:rPr lang="zh-CN" altLang="en-US" dirty="0"/>
+              <a:t>宽带信号传输光纤</a:t>
+            </a:r>
+          </a:p>
+        </p:txBody>
+      </p:sp>
+      <p:sp>
+        <p:nvSpPr>
+          <p:cNvPr id="3" name="文本框 2">
+            <a:extLst>
+              <a:ext uri="{FF2B5EF4-FFF2-40B4-BE49-F238E27FC236}">
+                <a16:creationId xmlns:a16="http://schemas.microsoft.com/office/drawing/2014/main" id="{59E8192C-C465-5C8A-35BA-EA1C7EE43A2D}"/>
+              </a:ext>
+            </a:extLst>
+          </p:cNvPr>
+          <p:cNvSpPr txBox="1"/>
+          <p:nvPr/>
+        </p:nvSpPr>
+        <p:spPr>
+          <a:xfrm>
+            <a:off x="1083212" y="2250831"/>
+            <a:ext cx="1800493" cy="369332"/>
+          </a:xfrm>
+          <a:prstGeom prst="rect">
+            <a:avLst/>
+          </a:prstGeom>
+          <a:noFill/>
+        </p:spPr>
+        <p:txBody>
+          <a:bodyPr wrap="none" rtlCol="0">
+            <a:spAutoFit/>
+          </a:bodyPr>
+          <a:lstStyle/>
+          <a:p>
+            <a:r>
+              <a:rPr lang="zh-CN" altLang="en-US" dirty="0"/>
+              <a:t>使用算法处理后</a:t>
+            </a:r>
+          </a:p>
+        </p:txBody>
+      </p:sp>
+      <p:pic>
+        <p:nvPicPr>
+          <p:cNvPr id="4" name="图片 3">
+            <a:extLst>
+              <a:ext uri="{FF2B5EF4-FFF2-40B4-BE49-F238E27FC236}">
+                <a16:creationId xmlns:a16="http://schemas.microsoft.com/office/drawing/2014/main" id="{EF907C75-8B89-3391-4030-9DDDE0C6912A}"/>
+              </a:ext>
+            </a:extLst>
+          </p:cNvPr>
+          <p:cNvPicPr>
+            <a:picLocks noChangeAspect="1"/>
+          </p:cNvPicPr>
+          <p:nvPr/>
+        </p:nvPicPr>
+        <p:blipFill>
+          <a:blip r:embed="rId2"/>
+          <a:stretch>
+            <a:fillRect/>
+          </a:stretch>
+        </p:blipFill>
+        <p:spPr>
+          <a:xfrm>
+            <a:off x="774025" y="3080825"/>
+            <a:ext cx="4572000" cy="3200400"/>
+          </a:xfrm>
+          <a:prstGeom prst="rect">
+            <a:avLst/>
+          </a:prstGeom>
+        </p:spPr>
+      </p:pic>
+      <p:pic>
+        <p:nvPicPr>
+          <p:cNvPr id="5" name="图片 4">
+            <a:extLst>
+              <a:ext uri="{FF2B5EF4-FFF2-40B4-BE49-F238E27FC236}">
+                <a16:creationId xmlns:a16="http://schemas.microsoft.com/office/drawing/2014/main" id="{B536C911-4755-B911-58B2-8D43B9343AB0}"/>
+              </a:ext>
+            </a:extLst>
+          </p:cNvPr>
+          <p:cNvPicPr>
+            <a:picLocks noChangeAspect="1"/>
+          </p:cNvPicPr>
+          <p:nvPr/>
+        </p:nvPicPr>
+        <p:blipFill>
+          <a:blip r:embed="rId3"/>
+          <a:stretch>
+            <a:fillRect/>
+          </a:stretch>
+        </p:blipFill>
+        <p:spPr>
+          <a:xfrm>
+            <a:off x="6021974" y="3080825"/>
+            <a:ext cx="4572000" cy="3200400"/>
+          </a:xfrm>
+          <a:prstGeom prst="rect">
+            <a:avLst/>
+          </a:prstGeom>
+        </p:spPr>
+      </p:pic>
+      <p:sp>
+        <p:nvSpPr>
+          <p:cNvPr id="7" name="文本框 6">
+            <a:extLst>
+              <a:ext uri="{FF2B5EF4-FFF2-40B4-BE49-F238E27FC236}">
+                <a16:creationId xmlns:a16="http://schemas.microsoft.com/office/drawing/2014/main" id="{C620E9A2-B622-81A5-FD8F-16BDC9959AAC}"/>
+              </a:ext>
+            </a:extLst>
+          </p:cNvPr>
+          <p:cNvSpPr txBox="1"/>
+          <p:nvPr/>
+        </p:nvSpPr>
+        <p:spPr>
+          <a:xfrm>
+            <a:off x="5411374" y="1277382"/>
+            <a:ext cx="2031325" cy="369332"/>
+          </a:xfrm>
+          <a:prstGeom prst="rect">
+            <a:avLst/>
+          </a:prstGeom>
+          <a:noFill/>
+        </p:spPr>
+        <p:txBody>
+          <a:bodyPr wrap="square">
+            <a:spAutoFit/>
+          </a:bodyPr>
+          <a:lstStyle/>
+          <a:p>
+            <a:r>
+              <a:rPr lang="en-US" altLang="zh-CN" dirty="0"/>
+              <a:t>BER = 0.0061912</a:t>
+            </a:r>
+            <a:endParaRPr lang="zh-CN" altLang="en-US" dirty="0"/>
+          </a:p>
+        </p:txBody>
+      </p:sp>
+      <p:sp>
+        <p:nvSpPr>
+          <p:cNvPr id="9" name="文本框 8">
+            <a:extLst>
+              <a:ext uri="{FF2B5EF4-FFF2-40B4-BE49-F238E27FC236}">
+                <a16:creationId xmlns:a16="http://schemas.microsoft.com/office/drawing/2014/main" id="{090E4973-4B13-7CDF-F2AD-B811260DF2F7}"/>
+              </a:ext>
+            </a:extLst>
+          </p:cNvPr>
+          <p:cNvSpPr txBox="1"/>
+          <p:nvPr/>
+        </p:nvSpPr>
+        <p:spPr>
+          <a:xfrm>
+            <a:off x="5411374" y="1786883"/>
+            <a:ext cx="2031325" cy="369332"/>
+          </a:xfrm>
+          <a:prstGeom prst="rect">
+            <a:avLst/>
+          </a:prstGeom>
+          <a:noFill/>
+        </p:spPr>
+        <p:txBody>
+          <a:bodyPr wrap="square">
+            <a:spAutoFit/>
+          </a:bodyPr>
+          <a:lstStyle/>
+          <a:p>
+            <a:r>
+              <a:rPr lang="en-US" altLang="zh-CN" dirty="0"/>
+              <a:t>BER = 0.0002917</a:t>
+            </a:r>
+            <a:endParaRPr lang="zh-CN" altLang="en-US" dirty="0"/>
+          </a:p>
+        </p:txBody>
+      </p:sp>
+    </p:spTree>
+    <p:extLst>
+      <p:ext uri="{BB962C8B-B14F-4D97-AF65-F5344CB8AC3E}">
+        <p14:creationId xmlns:p14="http://schemas.microsoft.com/office/powerpoint/2010/main" val="2088950297"/>
+      </p:ext>
+    </p:extLst>
+  </p:cSld>
+  <p:clrMapOvr>
+    <a:masterClrMapping/>
+  </p:clrMapOvr>
+</p:sld>
+</file>
+
+<file path=ppt/slides/slide19.xml><?xml version="1.0" encoding="utf-8"?>
+<p:sld xmlns:a="http://schemas.openxmlformats.org/drawingml/2006/main" xmlns:r="http://schemas.openxmlformats.org/officeDocument/2006/relationships" xmlns:p="http://schemas.openxmlformats.org/presentationml/2006/main">
+  <p:cSld>
+    <p:spTree>
+      <p:nvGrpSpPr>
+        <p:cNvPr id="1" name="">
+          <a:extLst>
+            <a:ext uri="{FF2B5EF4-FFF2-40B4-BE49-F238E27FC236}">
+              <a16:creationId xmlns:a16="http://schemas.microsoft.com/office/drawing/2014/main" id="{09E972EB-BDF1-B194-B7FD-7D158AE7A243}"/>
+            </a:ext>
+          </a:extLst>
+        </p:cNvPr>
+        <p:cNvGrpSpPr/>
+        <p:nvPr/>
+      </p:nvGrpSpPr>
+      <p:grpSpPr>
+        <a:xfrm>
+          <a:off x="0" y="0"/>
+          <a:ext cx="0" cy="0"/>
+          <a:chOff x="0" y="0"/>
+          <a:chExt cx="0" cy="0"/>
+        </a:xfrm>
+      </p:grpSpPr>
+      <p:sp>
+        <p:nvSpPr>
+          <p:cNvPr id="2" name="文本框 1">
+            <a:extLst>
+              <a:ext uri="{FF2B5EF4-FFF2-40B4-BE49-F238E27FC236}">
+                <a16:creationId xmlns:a16="http://schemas.microsoft.com/office/drawing/2014/main" id="{E5F6A638-A429-7286-97D7-B0BF65861365}"/>
+              </a:ext>
+            </a:extLst>
+          </p:cNvPr>
+          <p:cNvSpPr txBox="1"/>
+          <p:nvPr/>
+        </p:nvSpPr>
+        <p:spPr>
+          <a:xfrm>
+            <a:off x="1028700" y="908050"/>
+            <a:ext cx="1569660" cy="369332"/>
+          </a:xfrm>
+          <a:prstGeom prst="rect">
+            <a:avLst/>
+          </a:prstGeom>
+          <a:noFill/>
+        </p:spPr>
+        <p:txBody>
+          <a:bodyPr wrap="none" rtlCol="0">
+            <a:spAutoFit/>
+          </a:bodyPr>
+          <a:lstStyle/>
+          <a:p>
+            <a:r>
+              <a:rPr lang="zh-CN" altLang="en-US" dirty="0"/>
+              <a:t>宽带信号传输</a:t>
+            </a:r>
+          </a:p>
+        </p:txBody>
+      </p:sp>
+      <p:sp>
+        <p:nvSpPr>
+          <p:cNvPr id="3" name="文本框 2">
+            <a:extLst>
+              <a:ext uri="{FF2B5EF4-FFF2-40B4-BE49-F238E27FC236}">
+                <a16:creationId xmlns:a16="http://schemas.microsoft.com/office/drawing/2014/main" id="{3C8C6397-099F-B199-79F4-D9D27A0BAA48}"/>
+              </a:ext>
+            </a:extLst>
+          </p:cNvPr>
+          <p:cNvSpPr txBox="1"/>
+          <p:nvPr/>
+        </p:nvSpPr>
+        <p:spPr>
+          <a:xfrm>
+            <a:off x="1259532" y="1670050"/>
+            <a:ext cx="1338828" cy="369332"/>
+          </a:xfrm>
+          <a:prstGeom prst="rect">
+            <a:avLst/>
+          </a:prstGeom>
+          <a:noFill/>
+        </p:spPr>
+        <p:txBody>
+          <a:bodyPr wrap="none" rtlCol="0">
+            <a:spAutoFit/>
+          </a:bodyPr>
+          <a:lstStyle/>
+          <a:p>
+            <a:r>
+              <a:rPr lang="zh-CN" altLang="en-US" dirty="0"/>
+              <a:t>双边带信号</a:t>
+            </a:r>
+          </a:p>
+        </p:txBody>
+      </p:sp>
+      <p:sp>
+        <p:nvSpPr>
+          <p:cNvPr id="4" name="文本框 3">
+            <a:extLst>
+              <a:ext uri="{FF2B5EF4-FFF2-40B4-BE49-F238E27FC236}">
+                <a16:creationId xmlns:a16="http://schemas.microsoft.com/office/drawing/2014/main" id="{5935A6DE-3909-2CF4-3458-1B321D7ED2C3}"/>
+              </a:ext>
+            </a:extLst>
+          </p:cNvPr>
+          <p:cNvSpPr txBox="1"/>
+          <p:nvPr/>
+        </p:nvSpPr>
+        <p:spPr>
+          <a:xfrm>
+            <a:off x="6602911" y="1738169"/>
+            <a:ext cx="1338828" cy="369332"/>
+          </a:xfrm>
+          <a:prstGeom prst="rect">
+            <a:avLst/>
+          </a:prstGeom>
+          <a:noFill/>
+        </p:spPr>
+        <p:txBody>
+          <a:bodyPr wrap="none" rtlCol="0">
+            <a:spAutoFit/>
+          </a:bodyPr>
+          <a:lstStyle/>
+          <a:p>
+            <a:r>
+              <a:rPr lang="zh-CN" altLang="en-US" dirty="0"/>
+              <a:t>单边带信号</a:t>
+            </a:r>
+          </a:p>
+        </p:txBody>
+      </p:sp>
+      <p:pic>
+        <p:nvPicPr>
+          <p:cNvPr id="6" name="图片 5">
+            <a:extLst>
+              <a:ext uri="{FF2B5EF4-FFF2-40B4-BE49-F238E27FC236}">
+                <a16:creationId xmlns:a16="http://schemas.microsoft.com/office/drawing/2014/main" id="{009A0E0E-13C9-E76C-27C6-0A311CB87768}"/>
+              </a:ext>
+            </a:extLst>
+          </p:cNvPr>
+          <p:cNvPicPr>
+            <a:picLocks noChangeAspect="1"/>
+          </p:cNvPicPr>
+          <p:nvPr/>
+        </p:nvPicPr>
+        <p:blipFill>
+          <a:blip r:embed="rId2"/>
+          <a:stretch>
+            <a:fillRect/>
+          </a:stretch>
+        </p:blipFill>
+        <p:spPr>
+          <a:xfrm>
+            <a:off x="991186" y="2432050"/>
+            <a:ext cx="4572000" cy="3810000"/>
+          </a:xfrm>
+          <a:prstGeom prst="rect">
+            <a:avLst/>
+          </a:prstGeom>
+        </p:spPr>
+      </p:pic>
+      <p:pic>
+        <p:nvPicPr>
+          <p:cNvPr id="8" name="图片 7">
+            <a:extLst>
+              <a:ext uri="{FF2B5EF4-FFF2-40B4-BE49-F238E27FC236}">
+                <a16:creationId xmlns:a16="http://schemas.microsoft.com/office/drawing/2014/main" id="{3663AF63-E303-3178-2F58-C6B1787105FF}"/>
+              </a:ext>
+            </a:extLst>
+          </p:cNvPr>
+          <p:cNvPicPr>
+            <a:picLocks noChangeAspect="1"/>
+          </p:cNvPicPr>
+          <p:nvPr/>
+        </p:nvPicPr>
+        <p:blipFill>
+          <a:blip r:embed="rId3"/>
+          <a:stretch>
+            <a:fillRect/>
+          </a:stretch>
+        </p:blipFill>
+        <p:spPr>
+          <a:xfrm>
+            <a:off x="6628816" y="2432050"/>
+            <a:ext cx="4572000" cy="3810000"/>
+          </a:xfrm>
+          <a:prstGeom prst="rect">
+            <a:avLst/>
+          </a:prstGeom>
+        </p:spPr>
+      </p:pic>
+    </p:spTree>
+    <p:extLst>
+      <p:ext uri="{BB962C8B-B14F-4D97-AF65-F5344CB8AC3E}">
+        <p14:creationId xmlns:p14="http://schemas.microsoft.com/office/powerpoint/2010/main" val="2899249572"/>
       </p:ext>
     </p:extLst>
   </p:cSld>
@@ -3993,6 +5852,207 @@
     <p:extLst>
       <p:ext uri="{BB962C8B-B14F-4D97-AF65-F5344CB8AC3E}">
         <p14:creationId xmlns:p14="http://schemas.microsoft.com/office/powerpoint/2010/main" val="3028806615"/>
+      </p:ext>
+    </p:extLst>
+  </p:cSld>
+  <p:clrMapOvr>
+    <a:masterClrMapping/>
+  </p:clrMapOvr>
+</p:sld>
+</file>
+
+<file path=ppt/slides/slide20.xml><?xml version="1.0" encoding="utf-8"?>
+<p:sld xmlns:a="http://schemas.openxmlformats.org/drawingml/2006/main" xmlns:r="http://schemas.openxmlformats.org/officeDocument/2006/relationships" xmlns:p="http://schemas.openxmlformats.org/presentationml/2006/main">
+  <p:cSld>
+    <p:spTree>
+      <p:nvGrpSpPr>
+        <p:cNvPr id="1" name="">
+          <a:extLst>
+            <a:ext uri="{FF2B5EF4-FFF2-40B4-BE49-F238E27FC236}">
+              <a16:creationId xmlns:a16="http://schemas.microsoft.com/office/drawing/2014/main" id="{E479CBAB-BB6D-5779-E779-9F9695BFA028}"/>
+            </a:ext>
+          </a:extLst>
+        </p:cNvPr>
+        <p:cNvGrpSpPr/>
+        <p:nvPr/>
+      </p:nvGrpSpPr>
+      <p:grpSpPr>
+        <a:xfrm>
+          <a:off x="0" y="0"/>
+          <a:ext cx="0" cy="0"/>
+          <a:chOff x="0" y="0"/>
+          <a:chExt cx="0" cy="0"/>
+        </a:xfrm>
+      </p:grpSpPr>
+      <p:sp>
+        <p:nvSpPr>
+          <p:cNvPr id="2" name="文本框 1">
+            <a:extLst>
+              <a:ext uri="{FF2B5EF4-FFF2-40B4-BE49-F238E27FC236}">
+                <a16:creationId xmlns:a16="http://schemas.microsoft.com/office/drawing/2014/main" id="{302E65F5-6225-9AE1-2EBB-96B2DE242B8D}"/>
+              </a:ext>
+            </a:extLst>
+          </p:cNvPr>
+          <p:cNvSpPr txBox="1"/>
+          <p:nvPr/>
+        </p:nvSpPr>
+        <p:spPr>
+          <a:xfrm>
+            <a:off x="1028700" y="908050"/>
+            <a:ext cx="1569660" cy="369332"/>
+          </a:xfrm>
+          <a:prstGeom prst="rect">
+            <a:avLst/>
+          </a:prstGeom>
+          <a:noFill/>
+        </p:spPr>
+        <p:txBody>
+          <a:bodyPr wrap="none" rtlCol="0">
+            <a:spAutoFit/>
+          </a:bodyPr>
+          <a:lstStyle/>
+          <a:p>
+            <a:r>
+              <a:rPr lang="zh-CN" altLang="en-US" dirty="0"/>
+              <a:t>宽带信号传输</a:t>
+            </a:r>
+          </a:p>
+        </p:txBody>
+      </p:sp>
+      <p:pic>
+        <p:nvPicPr>
+          <p:cNvPr id="3" name="图片 2">
+            <a:extLst>
+              <a:ext uri="{FF2B5EF4-FFF2-40B4-BE49-F238E27FC236}">
+                <a16:creationId xmlns:a16="http://schemas.microsoft.com/office/drawing/2014/main" id="{018098E2-F937-9CBC-78EA-FC84594CDE2C}"/>
+              </a:ext>
+            </a:extLst>
+          </p:cNvPr>
+          <p:cNvPicPr>
+            <a:picLocks noChangeAspect="1"/>
+          </p:cNvPicPr>
+          <p:nvPr/>
+        </p:nvPicPr>
+        <p:blipFill>
+          <a:blip r:embed="rId2"/>
+          <a:stretch>
+            <a:fillRect/>
+          </a:stretch>
+        </p:blipFill>
+        <p:spPr>
+          <a:xfrm>
+            <a:off x="1028700" y="2139950"/>
+            <a:ext cx="4572000" cy="3810000"/>
+          </a:xfrm>
+          <a:prstGeom prst="rect">
+            <a:avLst/>
+          </a:prstGeom>
+        </p:spPr>
+      </p:pic>
+      <p:sp>
+        <p:nvSpPr>
+          <p:cNvPr id="4" name="文本框 3">
+            <a:extLst>
+              <a:ext uri="{FF2B5EF4-FFF2-40B4-BE49-F238E27FC236}">
+                <a16:creationId xmlns:a16="http://schemas.microsoft.com/office/drawing/2014/main" id="{F7D84F5F-D286-4A14-F9EE-10A490C90A1A}"/>
+              </a:ext>
+            </a:extLst>
+          </p:cNvPr>
+          <p:cNvSpPr txBox="1"/>
+          <p:nvPr/>
+        </p:nvSpPr>
+        <p:spPr>
+          <a:xfrm>
+            <a:off x="1259532" y="1670050"/>
+            <a:ext cx="1338828" cy="369332"/>
+          </a:xfrm>
+          <a:prstGeom prst="rect">
+            <a:avLst/>
+          </a:prstGeom>
+          <a:noFill/>
+        </p:spPr>
+        <p:txBody>
+          <a:bodyPr wrap="none" rtlCol="0">
+            <a:spAutoFit/>
+          </a:bodyPr>
+          <a:lstStyle/>
+          <a:p>
+            <a:r>
+              <a:rPr lang="zh-CN" altLang="en-US" dirty="0"/>
+              <a:t>双边带信号</a:t>
+            </a:r>
+          </a:p>
+        </p:txBody>
+      </p:sp>
+      <p:pic>
+        <p:nvPicPr>
+          <p:cNvPr id="6" name="图片 5">
+            <a:extLst>
+              <a:ext uri="{FF2B5EF4-FFF2-40B4-BE49-F238E27FC236}">
+                <a16:creationId xmlns:a16="http://schemas.microsoft.com/office/drawing/2014/main" id="{E19309A3-889E-A420-5A69-CE9EC426E2C4}"/>
+              </a:ext>
+            </a:extLst>
+          </p:cNvPr>
+          <p:cNvPicPr>
+            <a:picLocks noChangeAspect="1"/>
+          </p:cNvPicPr>
+          <p:nvPr/>
+        </p:nvPicPr>
+        <p:blipFill>
+          <a:blip r:embed="rId3"/>
+          <a:stretch>
+            <a:fillRect/>
+          </a:stretch>
+        </p:blipFill>
+        <p:spPr>
+          <a:xfrm>
+            <a:off x="6693877" y="2139950"/>
+            <a:ext cx="4572000" cy="3810000"/>
+          </a:xfrm>
+          <a:prstGeom prst="rect">
+            <a:avLst/>
+          </a:prstGeom>
+        </p:spPr>
+      </p:pic>
+      <p:sp>
+        <p:nvSpPr>
+          <p:cNvPr id="7" name="文本框 6">
+            <a:extLst>
+              <a:ext uri="{FF2B5EF4-FFF2-40B4-BE49-F238E27FC236}">
+                <a16:creationId xmlns:a16="http://schemas.microsoft.com/office/drawing/2014/main" id="{5F96ED9A-9D4A-0A5F-B4AD-40D671E04F62}"/>
+              </a:ext>
+            </a:extLst>
+          </p:cNvPr>
+          <p:cNvSpPr txBox="1"/>
+          <p:nvPr/>
+        </p:nvSpPr>
+        <p:spPr>
+          <a:xfrm>
+            <a:off x="6693877" y="1724410"/>
+            <a:ext cx="1338828" cy="369332"/>
+          </a:xfrm>
+          <a:prstGeom prst="rect">
+            <a:avLst/>
+          </a:prstGeom>
+          <a:noFill/>
+        </p:spPr>
+        <p:txBody>
+          <a:bodyPr wrap="none" rtlCol="0">
+            <a:spAutoFit/>
+          </a:bodyPr>
+          <a:lstStyle/>
+          <a:p>
+            <a:r>
+              <a:rPr lang="zh-CN" altLang="en-US" dirty="0"/>
+              <a:t>单边带信号</a:t>
+            </a:r>
+          </a:p>
+        </p:txBody>
+      </p:sp>
+    </p:spTree>
+    <p:extLst>
+      <p:ext uri="{BB962C8B-B14F-4D97-AF65-F5344CB8AC3E}">
+        <p14:creationId xmlns:p14="http://schemas.microsoft.com/office/powerpoint/2010/main" val="2573130934"/>
       </p:ext>
     </p:extLst>
   </p:cSld>

--- a/Note/图片存储.pptx
+++ b/Note/图片存储.pptx
@@ -21,10 +21,12 @@
     <p:sldId id="269" r:id="rId15"/>
     <p:sldId id="270" r:id="rId16"/>
     <p:sldId id="271" r:id="rId17"/>
-    <p:sldId id="272" r:id="rId18"/>
-    <p:sldId id="273" r:id="rId19"/>
-    <p:sldId id="274" r:id="rId20"/>
-    <p:sldId id="275" r:id="rId21"/>
+    <p:sldId id="276" r:id="rId18"/>
+    <p:sldId id="272" r:id="rId19"/>
+    <p:sldId id="273" r:id="rId20"/>
+    <p:sldId id="274" r:id="rId21"/>
+    <p:sldId id="275" r:id="rId22"/>
+    <p:sldId id="277" r:id="rId23"/>
   </p:sldIdLst>
   <p:sldSz cx="12192000" cy="6858000"/>
   <p:notesSz cx="6858000" cy="9144000"/>
@@ -3356,66 +3358,6 @@
           <a:chExt cx="0" cy="0"/>
         </a:xfrm>
       </p:grpSpPr>
-      <p:pic>
-        <p:nvPicPr>
-          <p:cNvPr id="5" name="图片 4">
-            <a:extLst>
-              <a:ext uri="{FF2B5EF4-FFF2-40B4-BE49-F238E27FC236}">
-                <a16:creationId xmlns:a16="http://schemas.microsoft.com/office/drawing/2014/main" id="{A2848219-A623-73A0-52C8-FA619BCBF3D8}"/>
-              </a:ext>
-            </a:extLst>
-          </p:cNvPr>
-          <p:cNvPicPr>
-            <a:picLocks noChangeAspect="1"/>
-          </p:cNvPicPr>
-          <p:nvPr/>
-        </p:nvPicPr>
-        <p:blipFill>
-          <a:blip r:embed="rId2"/>
-          <a:stretch>
-            <a:fillRect/>
-          </a:stretch>
-        </p:blipFill>
-        <p:spPr>
-          <a:xfrm>
-            <a:off x="762000" y="1428750"/>
-            <a:ext cx="5334000" cy="4000500"/>
-          </a:xfrm>
-          <a:prstGeom prst="rect">
-            <a:avLst/>
-          </a:prstGeom>
-        </p:spPr>
-      </p:pic>
-      <p:pic>
-        <p:nvPicPr>
-          <p:cNvPr id="9" name="图片 8">
-            <a:extLst>
-              <a:ext uri="{FF2B5EF4-FFF2-40B4-BE49-F238E27FC236}">
-                <a16:creationId xmlns:a16="http://schemas.microsoft.com/office/drawing/2014/main" id="{CC5E6095-11A4-ECD9-5967-6866BE415846}"/>
-              </a:ext>
-            </a:extLst>
-          </p:cNvPr>
-          <p:cNvPicPr>
-            <a:picLocks noChangeAspect="1"/>
-          </p:cNvPicPr>
-          <p:nvPr/>
-        </p:nvPicPr>
-        <p:blipFill>
-          <a:blip r:embed="rId3"/>
-          <a:stretch>
-            <a:fillRect/>
-          </a:stretch>
-        </p:blipFill>
-        <p:spPr>
-          <a:xfrm>
-            <a:off x="5765800" y="1428750"/>
-            <a:ext cx="5334000" cy="4000500"/>
-          </a:xfrm>
-          <a:prstGeom prst="rect">
-            <a:avLst/>
-          </a:prstGeom>
-        </p:spPr>
-      </p:pic>
       <p:sp>
         <p:nvSpPr>
           <p:cNvPr id="10" name="文本框 9">
@@ -3451,6 +3393,185 @@
           </a:p>
         </p:txBody>
       </p:sp>
+      <p:grpSp>
+        <p:nvGrpSpPr>
+          <p:cNvPr id="7" name="组合 6">
+            <a:extLst>
+              <a:ext uri="{FF2B5EF4-FFF2-40B4-BE49-F238E27FC236}">
+                <a16:creationId xmlns:a16="http://schemas.microsoft.com/office/drawing/2014/main" id="{D6AEB43F-9966-43C7-A1C2-8A4928A80ADD}"/>
+              </a:ext>
+            </a:extLst>
+          </p:cNvPr>
+          <p:cNvGrpSpPr/>
+          <p:nvPr/>
+        </p:nvGrpSpPr>
+        <p:grpSpPr>
+          <a:xfrm>
+            <a:off x="762000" y="1428750"/>
+            <a:ext cx="7651999" cy="4000500"/>
+            <a:chOff x="762000" y="1428750"/>
+            <a:chExt cx="7651999" cy="4000500"/>
+          </a:xfrm>
+        </p:grpSpPr>
+        <p:grpSp>
+          <p:nvGrpSpPr>
+            <p:cNvPr id="2" name="组合 1">
+              <a:extLst>
+                <a:ext uri="{FF2B5EF4-FFF2-40B4-BE49-F238E27FC236}">
+                  <a16:creationId xmlns:a16="http://schemas.microsoft.com/office/drawing/2014/main" id="{B150F961-DE41-4B2C-B426-7EA06FFC0F73}"/>
+                </a:ext>
+              </a:extLst>
+            </p:cNvPr>
+            <p:cNvGrpSpPr/>
+            <p:nvPr/>
+          </p:nvGrpSpPr>
+          <p:grpSpPr>
+            <a:xfrm>
+              <a:off x="762000" y="1428750"/>
+              <a:ext cx="7651999" cy="4000500"/>
+              <a:chOff x="762000" y="1428750"/>
+              <a:chExt cx="7651999" cy="4000500"/>
+            </a:xfrm>
+          </p:grpSpPr>
+          <p:pic>
+            <p:nvPicPr>
+              <p:cNvPr id="5" name="图片 4">
+                <a:extLst>
+                  <a:ext uri="{FF2B5EF4-FFF2-40B4-BE49-F238E27FC236}">
+                    <a16:creationId xmlns:a16="http://schemas.microsoft.com/office/drawing/2014/main" id="{A2848219-A623-73A0-52C8-FA619BCBF3D8}"/>
+                  </a:ext>
+                </a:extLst>
+              </p:cNvPr>
+              <p:cNvPicPr>
+                <a:picLocks noChangeAspect="1"/>
+              </p:cNvPicPr>
+              <p:nvPr/>
+            </p:nvPicPr>
+            <p:blipFill>
+              <a:blip r:embed="rId2"/>
+              <a:stretch>
+                <a:fillRect/>
+              </a:stretch>
+            </p:blipFill>
+            <p:spPr>
+              <a:xfrm>
+                <a:off x="762000" y="1428750"/>
+                <a:ext cx="5334000" cy="4000500"/>
+              </a:xfrm>
+              <a:prstGeom prst="rect">
+                <a:avLst/>
+              </a:prstGeom>
+            </p:spPr>
+          </p:pic>
+          <p:pic>
+            <p:nvPicPr>
+              <p:cNvPr id="9" name="图片 8">
+                <a:extLst>
+                  <a:ext uri="{FF2B5EF4-FFF2-40B4-BE49-F238E27FC236}">
+                    <a16:creationId xmlns:a16="http://schemas.microsoft.com/office/drawing/2014/main" id="{CC5E6095-11A4-ECD9-5967-6866BE415846}"/>
+                  </a:ext>
+                </a:extLst>
+              </p:cNvPr>
+              <p:cNvPicPr>
+                <a:picLocks noChangeAspect="1"/>
+              </p:cNvPicPr>
+              <p:nvPr/>
+            </p:nvPicPr>
+            <p:blipFill>
+              <a:blip r:embed="rId3"/>
+              <a:stretch>
+                <a:fillRect/>
+              </a:stretch>
+            </p:blipFill>
+            <p:spPr>
+              <a:xfrm>
+                <a:off x="5777676" y="1579417"/>
+                <a:ext cx="2636323" cy="1977242"/>
+              </a:xfrm>
+              <a:prstGeom prst="rect">
+                <a:avLst/>
+              </a:prstGeom>
+            </p:spPr>
+          </p:pic>
+        </p:grpSp>
+        <p:cxnSp>
+          <p:nvCxnSpPr>
+            <p:cNvPr id="4" name="直接箭头连接符 3">
+              <a:extLst>
+                <a:ext uri="{FF2B5EF4-FFF2-40B4-BE49-F238E27FC236}">
+                  <a16:creationId xmlns:a16="http://schemas.microsoft.com/office/drawing/2014/main" id="{CF247F0E-0445-4F95-A1A6-A354F6263FD5}"/>
+                </a:ext>
+              </a:extLst>
+            </p:cNvPr>
+            <p:cNvCxnSpPr/>
+            <p:nvPr/>
+          </p:nvCxnSpPr>
+          <p:spPr>
+            <a:xfrm flipV="1">
+              <a:off x="4762006" y="2731325"/>
+              <a:ext cx="1223489" cy="391885"/>
+            </a:xfrm>
+            <a:prstGeom prst="straightConnector1">
+              <a:avLst/>
+            </a:prstGeom>
+            <a:ln w="12700">
+              <a:solidFill>
+                <a:srgbClr val="C00000"/>
+              </a:solidFill>
+              <a:tailEnd type="triangle"/>
+            </a:ln>
+          </p:spPr>
+          <p:style>
+            <a:lnRef idx="1">
+              <a:schemeClr val="accent1"/>
+            </a:lnRef>
+            <a:fillRef idx="0">
+              <a:schemeClr val="accent1"/>
+            </a:fillRef>
+            <a:effectRef idx="0">
+              <a:schemeClr val="accent1"/>
+            </a:effectRef>
+            <a:fontRef idx="minor">
+              <a:schemeClr val="tx1"/>
+            </a:fontRef>
+          </p:style>
+        </p:cxnSp>
+        <p:sp>
+          <p:nvSpPr>
+            <p:cNvPr id="6" name="文本框 5">
+              <a:extLst>
+                <a:ext uri="{FF2B5EF4-FFF2-40B4-BE49-F238E27FC236}">
+                  <a16:creationId xmlns:a16="http://schemas.microsoft.com/office/drawing/2014/main" id="{12A40D67-5B9B-4101-ACE1-DEAF7968AB53}"/>
+                </a:ext>
+              </a:extLst>
+            </p:cNvPr>
+            <p:cNvSpPr txBox="1"/>
+            <p:nvPr/>
+          </p:nvSpPr>
+          <p:spPr>
+            <a:xfrm>
+              <a:off x="4827320" y="2546659"/>
+              <a:ext cx="646331" cy="369332"/>
+            </a:xfrm>
+            <a:prstGeom prst="rect">
+              <a:avLst/>
+            </a:prstGeom>
+            <a:noFill/>
+          </p:spPr>
+          <p:txBody>
+            <a:bodyPr wrap="none" rtlCol="0">
+              <a:spAutoFit/>
+            </a:bodyPr>
+            <a:lstStyle/>
+            <a:p>
+              <a:r>
+                <a:rPr lang="zh-CN" altLang="en-US" dirty="0"/>
+                <a:t>放大</a:t>
+              </a:r>
+            </a:p>
+          </p:txBody>
+        </p:sp>
+      </p:grpSp>
     </p:spTree>
     <p:extLst>
       <p:ext uri="{BB962C8B-B14F-4D97-AF65-F5344CB8AC3E}">
@@ -4311,7 +4432,7 @@
         </p:nvSpPr>
         <p:spPr>
           <a:xfrm>
-            <a:off x="2551528" y="6096559"/>
+            <a:off x="2598360" y="6108435"/>
             <a:ext cx="2006404" cy="369332"/>
           </a:xfrm>
           <a:prstGeom prst="rect">
@@ -5060,6 +5181,96 @@
   <p:cSld>
     <p:spTree>
       <p:nvGrpSpPr>
+        <p:cNvPr id="1" name=""/>
+        <p:cNvGrpSpPr/>
+        <p:nvPr/>
+      </p:nvGrpSpPr>
+      <p:grpSpPr>
+        <a:xfrm>
+          <a:off x="0" y="0"/>
+          <a:ext cx="0" cy="0"/>
+          <a:chOff x="0" y="0"/>
+          <a:chExt cx="0" cy="0"/>
+        </a:xfrm>
+      </p:grpSpPr>
+      <p:pic>
+        <p:nvPicPr>
+          <p:cNvPr id="7" name="图片 6">
+            <a:extLst>
+              <a:ext uri="{FF2B5EF4-FFF2-40B4-BE49-F238E27FC236}">
+                <a16:creationId xmlns:a16="http://schemas.microsoft.com/office/drawing/2014/main" id="{0ED0088F-DC07-414E-9073-4095D253AB7C}"/>
+              </a:ext>
+            </a:extLst>
+          </p:cNvPr>
+          <p:cNvPicPr>
+            <a:picLocks noChangeAspect="1"/>
+          </p:cNvPicPr>
+          <p:nvPr/>
+        </p:nvPicPr>
+        <p:blipFill>
+          <a:blip r:embed="rId2"/>
+          <a:stretch>
+            <a:fillRect/>
+          </a:stretch>
+        </p:blipFill>
+        <p:spPr>
+          <a:xfrm>
+            <a:off x="550223" y="1537854"/>
+            <a:ext cx="4572000" cy="3200400"/>
+          </a:xfrm>
+          <a:prstGeom prst="rect">
+            <a:avLst/>
+          </a:prstGeom>
+        </p:spPr>
+      </p:pic>
+      <p:pic>
+        <p:nvPicPr>
+          <p:cNvPr id="9" name="图片 8">
+            <a:extLst>
+              <a:ext uri="{FF2B5EF4-FFF2-40B4-BE49-F238E27FC236}">
+                <a16:creationId xmlns:a16="http://schemas.microsoft.com/office/drawing/2014/main" id="{B858E4F9-410D-45D1-A3FC-C24416F750C4}"/>
+              </a:ext>
+            </a:extLst>
+          </p:cNvPr>
+          <p:cNvPicPr>
+            <a:picLocks noChangeAspect="1"/>
+          </p:cNvPicPr>
+          <p:nvPr/>
+        </p:nvPicPr>
+        <p:blipFill>
+          <a:blip r:embed="rId3"/>
+          <a:stretch>
+            <a:fillRect/>
+          </a:stretch>
+        </p:blipFill>
+        <p:spPr>
+          <a:xfrm>
+            <a:off x="5917870" y="1407226"/>
+            <a:ext cx="4572000" cy="3200400"/>
+          </a:xfrm>
+          <a:prstGeom prst="rect">
+            <a:avLst/>
+          </a:prstGeom>
+        </p:spPr>
+      </p:pic>
+    </p:spTree>
+    <p:extLst>
+      <p:ext uri="{BB962C8B-B14F-4D97-AF65-F5344CB8AC3E}">
+        <p14:creationId xmlns:p14="http://schemas.microsoft.com/office/powerpoint/2010/main" val="2332019583"/>
+      </p:ext>
+    </p:extLst>
+  </p:cSld>
+  <p:clrMapOvr>
+    <a:masterClrMapping/>
+  </p:clrMapOvr>
+</p:sld>
+</file>
+
+<file path=ppt/slides/slide18.xml><?xml version="1.0" encoding="utf-8"?>
+<p:sld xmlns:a="http://schemas.openxmlformats.org/drawingml/2006/main" xmlns:r="http://schemas.openxmlformats.org/officeDocument/2006/relationships" xmlns:p="http://schemas.openxmlformats.org/presentationml/2006/main">
+  <p:cSld>
+    <p:spTree>
+      <p:nvGrpSpPr>
         <p:cNvPr id="1" name="">
           <a:extLst>
             <a:ext uri="{FF2B5EF4-FFF2-40B4-BE49-F238E27FC236}">
@@ -5256,7 +5467,7 @@
 </p:sld>
 </file>
 
-<file path=ppt/slides/slide18.xml><?xml version="1.0" encoding="utf-8"?>
+<file path=ppt/slides/slide19.xml><?xml version="1.0" encoding="utf-8"?>
 <p:sld xmlns:a="http://schemas.openxmlformats.org/drawingml/2006/main" xmlns:r="http://schemas.openxmlformats.org/officeDocument/2006/relationships" xmlns:p="http://schemas.openxmlformats.org/presentationml/2006/main">
   <p:cSld>
     <p:spTree>
@@ -5485,207 +5696,6 @@
     <p:extLst>
       <p:ext uri="{BB962C8B-B14F-4D97-AF65-F5344CB8AC3E}">
         <p14:creationId xmlns:p14="http://schemas.microsoft.com/office/powerpoint/2010/main" val="2088950297"/>
-      </p:ext>
-    </p:extLst>
-  </p:cSld>
-  <p:clrMapOvr>
-    <a:masterClrMapping/>
-  </p:clrMapOvr>
-</p:sld>
-</file>
-
-<file path=ppt/slides/slide19.xml><?xml version="1.0" encoding="utf-8"?>
-<p:sld xmlns:a="http://schemas.openxmlformats.org/drawingml/2006/main" xmlns:r="http://schemas.openxmlformats.org/officeDocument/2006/relationships" xmlns:p="http://schemas.openxmlformats.org/presentationml/2006/main">
-  <p:cSld>
-    <p:spTree>
-      <p:nvGrpSpPr>
-        <p:cNvPr id="1" name="">
-          <a:extLst>
-            <a:ext uri="{FF2B5EF4-FFF2-40B4-BE49-F238E27FC236}">
-              <a16:creationId xmlns:a16="http://schemas.microsoft.com/office/drawing/2014/main" id="{09E972EB-BDF1-B194-B7FD-7D158AE7A243}"/>
-            </a:ext>
-          </a:extLst>
-        </p:cNvPr>
-        <p:cNvGrpSpPr/>
-        <p:nvPr/>
-      </p:nvGrpSpPr>
-      <p:grpSpPr>
-        <a:xfrm>
-          <a:off x="0" y="0"/>
-          <a:ext cx="0" cy="0"/>
-          <a:chOff x="0" y="0"/>
-          <a:chExt cx="0" cy="0"/>
-        </a:xfrm>
-      </p:grpSpPr>
-      <p:sp>
-        <p:nvSpPr>
-          <p:cNvPr id="2" name="文本框 1">
-            <a:extLst>
-              <a:ext uri="{FF2B5EF4-FFF2-40B4-BE49-F238E27FC236}">
-                <a16:creationId xmlns:a16="http://schemas.microsoft.com/office/drawing/2014/main" id="{E5F6A638-A429-7286-97D7-B0BF65861365}"/>
-              </a:ext>
-            </a:extLst>
-          </p:cNvPr>
-          <p:cNvSpPr txBox="1"/>
-          <p:nvPr/>
-        </p:nvSpPr>
-        <p:spPr>
-          <a:xfrm>
-            <a:off x="1028700" y="908050"/>
-            <a:ext cx="1569660" cy="369332"/>
-          </a:xfrm>
-          <a:prstGeom prst="rect">
-            <a:avLst/>
-          </a:prstGeom>
-          <a:noFill/>
-        </p:spPr>
-        <p:txBody>
-          <a:bodyPr wrap="none" rtlCol="0">
-            <a:spAutoFit/>
-          </a:bodyPr>
-          <a:lstStyle/>
-          <a:p>
-            <a:r>
-              <a:rPr lang="zh-CN" altLang="en-US" dirty="0"/>
-              <a:t>宽带信号传输</a:t>
-            </a:r>
-          </a:p>
-        </p:txBody>
-      </p:sp>
-      <p:sp>
-        <p:nvSpPr>
-          <p:cNvPr id="3" name="文本框 2">
-            <a:extLst>
-              <a:ext uri="{FF2B5EF4-FFF2-40B4-BE49-F238E27FC236}">
-                <a16:creationId xmlns:a16="http://schemas.microsoft.com/office/drawing/2014/main" id="{3C8C6397-099F-B199-79F4-D9D27A0BAA48}"/>
-              </a:ext>
-            </a:extLst>
-          </p:cNvPr>
-          <p:cNvSpPr txBox="1"/>
-          <p:nvPr/>
-        </p:nvSpPr>
-        <p:spPr>
-          <a:xfrm>
-            <a:off x="1259532" y="1670050"/>
-            <a:ext cx="1338828" cy="369332"/>
-          </a:xfrm>
-          <a:prstGeom prst="rect">
-            <a:avLst/>
-          </a:prstGeom>
-          <a:noFill/>
-        </p:spPr>
-        <p:txBody>
-          <a:bodyPr wrap="none" rtlCol="0">
-            <a:spAutoFit/>
-          </a:bodyPr>
-          <a:lstStyle/>
-          <a:p>
-            <a:r>
-              <a:rPr lang="zh-CN" altLang="en-US" dirty="0"/>
-              <a:t>双边带信号</a:t>
-            </a:r>
-          </a:p>
-        </p:txBody>
-      </p:sp>
-      <p:sp>
-        <p:nvSpPr>
-          <p:cNvPr id="4" name="文本框 3">
-            <a:extLst>
-              <a:ext uri="{FF2B5EF4-FFF2-40B4-BE49-F238E27FC236}">
-                <a16:creationId xmlns:a16="http://schemas.microsoft.com/office/drawing/2014/main" id="{5935A6DE-3909-2CF4-3458-1B321D7ED2C3}"/>
-              </a:ext>
-            </a:extLst>
-          </p:cNvPr>
-          <p:cNvSpPr txBox="1"/>
-          <p:nvPr/>
-        </p:nvSpPr>
-        <p:spPr>
-          <a:xfrm>
-            <a:off x="6602911" y="1738169"/>
-            <a:ext cx="1338828" cy="369332"/>
-          </a:xfrm>
-          <a:prstGeom prst="rect">
-            <a:avLst/>
-          </a:prstGeom>
-          <a:noFill/>
-        </p:spPr>
-        <p:txBody>
-          <a:bodyPr wrap="none" rtlCol="0">
-            <a:spAutoFit/>
-          </a:bodyPr>
-          <a:lstStyle/>
-          <a:p>
-            <a:r>
-              <a:rPr lang="zh-CN" altLang="en-US" dirty="0"/>
-              <a:t>单边带信号</a:t>
-            </a:r>
-          </a:p>
-        </p:txBody>
-      </p:sp>
-      <p:pic>
-        <p:nvPicPr>
-          <p:cNvPr id="6" name="图片 5">
-            <a:extLst>
-              <a:ext uri="{FF2B5EF4-FFF2-40B4-BE49-F238E27FC236}">
-                <a16:creationId xmlns:a16="http://schemas.microsoft.com/office/drawing/2014/main" id="{009A0E0E-13C9-E76C-27C6-0A311CB87768}"/>
-              </a:ext>
-            </a:extLst>
-          </p:cNvPr>
-          <p:cNvPicPr>
-            <a:picLocks noChangeAspect="1"/>
-          </p:cNvPicPr>
-          <p:nvPr/>
-        </p:nvPicPr>
-        <p:blipFill>
-          <a:blip r:embed="rId2"/>
-          <a:stretch>
-            <a:fillRect/>
-          </a:stretch>
-        </p:blipFill>
-        <p:spPr>
-          <a:xfrm>
-            <a:off x="991186" y="2432050"/>
-            <a:ext cx="4572000" cy="3810000"/>
-          </a:xfrm>
-          <a:prstGeom prst="rect">
-            <a:avLst/>
-          </a:prstGeom>
-        </p:spPr>
-      </p:pic>
-      <p:pic>
-        <p:nvPicPr>
-          <p:cNvPr id="8" name="图片 7">
-            <a:extLst>
-              <a:ext uri="{FF2B5EF4-FFF2-40B4-BE49-F238E27FC236}">
-                <a16:creationId xmlns:a16="http://schemas.microsoft.com/office/drawing/2014/main" id="{3663AF63-E303-3178-2F58-C6B1787105FF}"/>
-              </a:ext>
-            </a:extLst>
-          </p:cNvPr>
-          <p:cNvPicPr>
-            <a:picLocks noChangeAspect="1"/>
-          </p:cNvPicPr>
-          <p:nvPr/>
-        </p:nvPicPr>
-        <p:blipFill>
-          <a:blip r:embed="rId3"/>
-          <a:stretch>
-            <a:fillRect/>
-          </a:stretch>
-        </p:blipFill>
-        <p:spPr>
-          <a:xfrm>
-            <a:off x="6628816" y="2432050"/>
-            <a:ext cx="4572000" cy="3810000"/>
-          </a:xfrm>
-          <a:prstGeom prst="rect">
-            <a:avLst/>
-          </a:prstGeom>
-        </p:spPr>
-      </p:pic>
-    </p:spTree>
-    <p:extLst>
-      <p:ext uri="{BB962C8B-B14F-4D97-AF65-F5344CB8AC3E}">
-        <p14:creationId xmlns:p14="http://schemas.microsoft.com/office/powerpoint/2010/main" val="2899249572"/>
       </p:ext>
     </p:extLst>
   </p:cSld>
@@ -5718,36 +5728,6 @@
           <a:chExt cx="0" cy="0"/>
         </a:xfrm>
       </p:grpSpPr>
-      <p:pic>
-        <p:nvPicPr>
-          <p:cNvPr id="3" name="图片 2">
-            <a:extLst>
-              <a:ext uri="{FF2B5EF4-FFF2-40B4-BE49-F238E27FC236}">
-                <a16:creationId xmlns:a16="http://schemas.microsoft.com/office/drawing/2014/main" id="{105A0945-2F90-6017-9C1F-77F1BA314CB3}"/>
-              </a:ext>
-            </a:extLst>
-          </p:cNvPr>
-          <p:cNvPicPr>
-            <a:picLocks noChangeAspect="1"/>
-          </p:cNvPicPr>
-          <p:nvPr/>
-        </p:nvPicPr>
-        <p:blipFill>
-          <a:blip r:embed="rId2"/>
-          <a:stretch>
-            <a:fillRect/>
-          </a:stretch>
-        </p:blipFill>
-        <p:spPr>
-          <a:xfrm>
-            <a:off x="762000" y="1809750"/>
-            <a:ext cx="5334000" cy="4000500"/>
-          </a:xfrm>
-          <a:prstGeom prst="rect">
-            <a:avLst/>
-          </a:prstGeom>
-        </p:spPr>
-      </p:pic>
       <p:sp>
         <p:nvSpPr>
           <p:cNvPr id="4" name="文本框 3">
@@ -5783,36 +5763,6 @@
           </a:p>
         </p:txBody>
       </p:sp>
-      <p:pic>
-        <p:nvPicPr>
-          <p:cNvPr id="6" name="图片 5">
-            <a:extLst>
-              <a:ext uri="{FF2B5EF4-FFF2-40B4-BE49-F238E27FC236}">
-                <a16:creationId xmlns:a16="http://schemas.microsoft.com/office/drawing/2014/main" id="{2D5ECE7E-D1AF-F7CE-D64F-94C4E33F21C7}"/>
-              </a:ext>
-            </a:extLst>
-          </p:cNvPr>
-          <p:cNvPicPr>
-            <a:picLocks noChangeAspect="1"/>
-          </p:cNvPicPr>
-          <p:nvPr/>
-        </p:nvPicPr>
-        <p:blipFill>
-          <a:blip r:embed="rId3"/>
-          <a:stretch>
-            <a:fillRect/>
-          </a:stretch>
-        </p:blipFill>
-        <p:spPr>
-          <a:xfrm>
-            <a:off x="5867400" y="1809750"/>
-            <a:ext cx="5334000" cy="4000500"/>
-          </a:xfrm>
-          <a:prstGeom prst="rect">
-            <a:avLst/>
-          </a:prstGeom>
-        </p:spPr>
-      </p:pic>
       <p:sp>
         <p:nvSpPr>
           <p:cNvPr id="7" name="文本框 6">
@@ -5827,7 +5777,7 @@
         </p:nvSpPr>
         <p:spPr>
           <a:xfrm>
-            <a:off x="7634153" y="6057900"/>
+            <a:off x="9462953" y="6093526"/>
             <a:ext cx="1800493" cy="369332"/>
           </a:xfrm>
           <a:prstGeom prst="rect">
@@ -5848,6 +5798,166 @@
           </a:p>
         </p:txBody>
       </p:sp>
+      <p:grpSp>
+        <p:nvGrpSpPr>
+          <p:cNvPr id="5" name="组合 4">
+            <a:extLst>
+              <a:ext uri="{FF2B5EF4-FFF2-40B4-BE49-F238E27FC236}">
+                <a16:creationId xmlns:a16="http://schemas.microsoft.com/office/drawing/2014/main" id="{6184BE4C-3A32-4C9D-89B8-964BE162D354}"/>
+              </a:ext>
+            </a:extLst>
+          </p:cNvPr>
+          <p:cNvGrpSpPr/>
+          <p:nvPr/>
+        </p:nvGrpSpPr>
+        <p:grpSpPr>
+          <a:xfrm>
+            <a:off x="762000" y="1809750"/>
+            <a:ext cx="7611589" cy="4000500"/>
+            <a:chOff x="762000" y="1809750"/>
+            <a:chExt cx="7611589" cy="4000500"/>
+          </a:xfrm>
+        </p:grpSpPr>
+        <p:pic>
+          <p:nvPicPr>
+            <p:cNvPr id="3" name="图片 2">
+              <a:extLst>
+                <a:ext uri="{FF2B5EF4-FFF2-40B4-BE49-F238E27FC236}">
+                  <a16:creationId xmlns:a16="http://schemas.microsoft.com/office/drawing/2014/main" id="{105A0945-2F90-6017-9C1F-77F1BA314CB3}"/>
+                </a:ext>
+              </a:extLst>
+            </p:cNvPr>
+            <p:cNvPicPr>
+              <a:picLocks noChangeAspect="1"/>
+            </p:cNvPicPr>
+            <p:nvPr/>
+          </p:nvPicPr>
+          <p:blipFill>
+            <a:blip r:embed="rId2"/>
+            <a:stretch>
+              <a:fillRect/>
+            </a:stretch>
+          </p:blipFill>
+          <p:spPr>
+            <a:xfrm>
+              <a:off x="762000" y="1809750"/>
+              <a:ext cx="5334000" cy="4000500"/>
+            </a:xfrm>
+            <a:prstGeom prst="rect">
+              <a:avLst/>
+            </a:prstGeom>
+          </p:spPr>
+        </p:pic>
+        <p:pic>
+          <p:nvPicPr>
+            <p:cNvPr id="6" name="图片 5">
+              <a:extLst>
+                <a:ext uri="{FF2B5EF4-FFF2-40B4-BE49-F238E27FC236}">
+                  <a16:creationId xmlns:a16="http://schemas.microsoft.com/office/drawing/2014/main" id="{2D5ECE7E-D1AF-F7CE-D64F-94C4E33F21C7}"/>
+                </a:ext>
+              </a:extLst>
+            </p:cNvPr>
+            <p:cNvPicPr>
+              <a:picLocks noChangeAspect="1"/>
+            </p:cNvPicPr>
+            <p:nvPr/>
+          </p:nvPicPr>
+          <p:blipFill>
+            <a:blip r:embed="rId3"/>
+            <a:stretch>
+              <a:fillRect/>
+            </a:stretch>
+          </p:blipFill>
+          <p:spPr>
+            <a:xfrm>
+              <a:off x="5637810" y="1941615"/>
+              <a:ext cx="2735779" cy="2051834"/>
+            </a:xfrm>
+            <a:prstGeom prst="rect">
+              <a:avLst/>
+            </a:prstGeom>
+          </p:spPr>
+        </p:pic>
+        <p:cxnSp>
+          <p:nvCxnSpPr>
+            <p:cNvPr id="8" name="直接箭头连接符 7">
+              <a:extLst>
+                <a:ext uri="{FF2B5EF4-FFF2-40B4-BE49-F238E27FC236}">
+                  <a16:creationId xmlns:a16="http://schemas.microsoft.com/office/drawing/2014/main" id="{F3854DA5-4159-4000-8371-3CB0A14F9896}"/>
+                </a:ext>
+              </a:extLst>
+            </p:cNvPr>
+            <p:cNvCxnSpPr>
+              <a:cxnSpLocks/>
+            </p:cNvCxnSpPr>
+            <p:nvPr/>
+          </p:nvCxnSpPr>
+          <p:spPr>
+            <a:xfrm flipV="1">
+              <a:off x="4643253" y="3221781"/>
+              <a:ext cx="1104404" cy="207220"/>
+            </a:xfrm>
+            <a:prstGeom prst="straightConnector1">
+              <a:avLst/>
+            </a:prstGeom>
+            <a:ln w="12700">
+              <a:solidFill>
+                <a:srgbClr val="C00000"/>
+              </a:solidFill>
+              <a:tailEnd type="triangle"/>
+            </a:ln>
+          </p:spPr>
+          <p:style>
+            <a:lnRef idx="1">
+              <a:schemeClr val="accent1"/>
+            </a:lnRef>
+            <a:fillRef idx="0">
+              <a:schemeClr val="accent1"/>
+            </a:fillRef>
+            <a:effectRef idx="0">
+              <a:schemeClr val="accent1"/>
+            </a:effectRef>
+            <a:fontRef idx="minor">
+              <a:schemeClr val="tx1"/>
+            </a:fontRef>
+          </p:style>
+        </p:cxnSp>
+        <p:sp>
+          <p:nvSpPr>
+            <p:cNvPr id="9" name="文本框 8">
+              <a:extLst>
+                <a:ext uri="{FF2B5EF4-FFF2-40B4-BE49-F238E27FC236}">
+                  <a16:creationId xmlns:a16="http://schemas.microsoft.com/office/drawing/2014/main" id="{8FFFD92E-D02C-4701-B84F-121BD8EADF2E}"/>
+                </a:ext>
+              </a:extLst>
+            </p:cNvPr>
+            <p:cNvSpPr txBox="1"/>
+            <p:nvPr/>
+          </p:nvSpPr>
+          <p:spPr>
+            <a:xfrm>
+              <a:off x="4708567" y="2852449"/>
+              <a:ext cx="646331" cy="369332"/>
+            </a:xfrm>
+            <a:prstGeom prst="rect">
+              <a:avLst/>
+            </a:prstGeom>
+            <a:noFill/>
+          </p:spPr>
+          <p:txBody>
+            <a:bodyPr wrap="none" rtlCol="0">
+              <a:spAutoFit/>
+            </a:bodyPr>
+            <a:lstStyle/>
+            <a:p>
+              <a:r>
+                <a:rPr lang="zh-CN" altLang="en-US" dirty="0"/>
+                <a:t>放大</a:t>
+              </a:r>
+            </a:p>
+          </p:txBody>
+        </p:sp>
+      </p:grpSp>
     </p:spTree>
     <p:extLst>
       <p:ext uri="{BB962C8B-B14F-4D97-AF65-F5344CB8AC3E}">
@@ -5862,6 +5972,207 @@
 </file>
 
 <file path=ppt/slides/slide20.xml><?xml version="1.0" encoding="utf-8"?>
+<p:sld xmlns:a="http://schemas.openxmlformats.org/drawingml/2006/main" xmlns:r="http://schemas.openxmlformats.org/officeDocument/2006/relationships" xmlns:p="http://schemas.openxmlformats.org/presentationml/2006/main">
+  <p:cSld>
+    <p:spTree>
+      <p:nvGrpSpPr>
+        <p:cNvPr id="1" name="">
+          <a:extLst>
+            <a:ext uri="{FF2B5EF4-FFF2-40B4-BE49-F238E27FC236}">
+              <a16:creationId xmlns:a16="http://schemas.microsoft.com/office/drawing/2014/main" id="{09E972EB-BDF1-B194-B7FD-7D158AE7A243}"/>
+            </a:ext>
+          </a:extLst>
+        </p:cNvPr>
+        <p:cNvGrpSpPr/>
+        <p:nvPr/>
+      </p:nvGrpSpPr>
+      <p:grpSpPr>
+        <a:xfrm>
+          <a:off x="0" y="0"/>
+          <a:ext cx="0" cy="0"/>
+          <a:chOff x="0" y="0"/>
+          <a:chExt cx="0" cy="0"/>
+        </a:xfrm>
+      </p:grpSpPr>
+      <p:sp>
+        <p:nvSpPr>
+          <p:cNvPr id="2" name="文本框 1">
+            <a:extLst>
+              <a:ext uri="{FF2B5EF4-FFF2-40B4-BE49-F238E27FC236}">
+                <a16:creationId xmlns:a16="http://schemas.microsoft.com/office/drawing/2014/main" id="{E5F6A638-A429-7286-97D7-B0BF65861365}"/>
+              </a:ext>
+            </a:extLst>
+          </p:cNvPr>
+          <p:cNvSpPr txBox="1"/>
+          <p:nvPr/>
+        </p:nvSpPr>
+        <p:spPr>
+          <a:xfrm>
+            <a:off x="1028700" y="908050"/>
+            <a:ext cx="1569660" cy="369332"/>
+          </a:xfrm>
+          <a:prstGeom prst="rect">
+            <a:avLst/>
+          </a:prstGeom>
+          <a:noFill/>
+        </p:spPr>
+        <p:txBody>
+          <a:bodyPr wrap="none" rtlCol="0">
+            <a:spAutoFit/>
+          </a:bodyPr>
+          <a:lstStyle/>
+          <a:p>
+            <a:r>
+              <a:rPr lang="zh-CN" altLang="en-US" dirty="0"/>
+              <a:t>宽带信号传输</a:t>
+            </a:r>
+          </a:p>
+        </p:txBody>
+      </p:sp>
+      <p:sp>
+        <p:nvSpPr>
+          <p:cNvPr id="3" name="文本框 2">
+            <a:extLst>
+              <a:ext uri="{FF2B5EF4-FFF2-40B4-BE49-F238E27FC236}">
+                <a16:creationId xmlns:a16="http://schemas.microsoft.com/office/drawing/2014/main" id="{3C8C6397-099F-B199-79F4-D9D27A0BAA48}"/>
+              </a:ext>
+            </a:extLst>
+          </p:cNvPr>
+          <p:cNvSpPr txBox="1"/>
+          <p:nvPr/>
+        </p:nvSpPr>
+        <p:spPr>
+          <a:xfrm>
+            <a:off x="1259532" y="1670050"/>
+            <a:ext cx="1338828" cy="369332"/>
+          </a:xfrm>
+          <a:prstGeom prst="rect">
+            <a:avLst/>
+          </a:prstGeom>
+          <a:noFill/>
+        </p:spPr>
+        <p:txBody>
+          <a:bodyPr wrap="none" rtlCol="0">
+            <a:spAutoFit/>
+          </a:bodyPr>
+          <a:lstStyle/>
+          <a:p>
+            <a:r>
+              <a:rPr lang="zh-CN" altLang="en-US" dirty="0"/>
+              <a:t>双边带信号</a:t>
+            </a:r>
+          </a:p>
+        </p:txBody>
+      </p:sp>
+      <p:sp>
+        <p:nvSpPr>
+          <p:cNvPr id="4" name="文本框 3">
+            <a:extLst>
+              <a:ext uri="{FF2B5EF4-FFF2-40B4-BE49-F238E27FC236}">
+                <a16:creationId xmlns:a16="http://schemas.microsoft.com/office/drawing/2014/main" id="{5935A6DE-3909-2CF4-3458-1B321D7ED2C3}"/>
+              </a:ext>
+            </a:extLst>
+          </p:cNvPr>
+          <p:cNvSpPr txBox="1"/>
+          <p:nvPr/>
+        </p:nvSpPr>
+        <p:spPr>
+          <a:xfrm>
+            <a:off x="6602911" y="1738169"/>
+            <a:ext cx="1338828" cy="369332"/>
+          </a:xfrm>
+          <a:prstGeom prst="rect">
+            <a:avLst/>
+          </a:prstGeom>
+          <a:noFill/>
+        </p:spPr>
+        <p:txBody>
+          <a:bodyPr wrap="none" rtlCol="0">
+            <a:spAutoFit/>
+          </a:bodyPr>
+          <a:lstStyle/>
+          <a:p>
+            <a:r>
+              <a:rPr lang="zh-CN" altLang="en-US" dirty="0"/>
+              <a:t>单边带信号</a:t>
+            </a:r>
+          </a:p>
+        </p:txBody>
+      </p:sp>
+      <p:pic>
+        <p:nvPicPr>
+          <p:cNvPr id="6" name="图片 5">
+            <a:extLst>
+              <a:ext uri="{FF2B5EF4-FFF2-40B4-BE49-F238E27FC236}">
+                <a16:creationId xmlns:a16="http://schemas.microsoft.com/office/drawing/2014/main" id="{009A0E0E-13C9-E76C-27C6-0A311CB87768}"/>
+              </a:ext>
+            </a:extLst>
+          </p:cNvPr>
+          <p:cNvPicPr>
+            <a:picLocks noChangeAspect="1"/>
+          </p:cNvPicPr>
+          <p:nvPr/>
+        </p:nvPicPr>
+        <p:blipFill>
+          <a:blip r:embed="rId2"/>
+          <a:stretch>
+            <a:fillRect/>
+          </a:stretch>
+        </p:blipFill>
+        <p:spPr>
+          <a:xfrm>
+            <a:off x="991186" y="2432050"/>
+            <a:ext cx="4572000" cy="3810000"/>
+          </a:xfrm>
+          <a:prstGeom prst="rect">
+            <a:avLst/>
+          </a:prstGeom>
+        </p:spPr>
+      </p:pic>
+      <p:pic>
+        <p:nvPicPr>
+          <p:cNvPr id="8" name="图片 7">
+            <a:extLst>
+              <a:ext uri="{FF2B5EF4-FFF2-40B4-BE49-F238E27FC236}">
+                <a16:creationId xmlns:a16="http://schemas.microsoft.com/office/drawing/2014/main" id="{3663AF63-E303-3178-2F58-C6B1787105FF}"/>
+              </a:ext>
+            </a:extLst>
+          </p:cNvPr>
+          <p:cNvPicPr>
+            <a:picLocks noChangeAspect="1"/>
+          </p:cNvPicPr>
+          <p:nvPr/>
+        </p:nvPicPr>
+        <p:blipFill>
+          <a:blip r:embed="rId3"/>
+          <a:stretch>
+            <a:fillRect/>
+          </a:stretch>
+        </p:blipFill>
+        <p:spPr>
+          <a:xfrm>
+            <a:off x="6628816" y="2432050"/>
+            <a:ext cx="4572000" cy="3810000"/>
+          </a:xfrm>
+          <a:prstGeom prst="rect">
+            <a:avLst/>
+          </a:prstGeom>
+        </p:spPr>
+      </p:pic>
+    </p:spTree>
+    <p:extLst>
+      <p:ext uri="{BB962C8B-B14F-4D97-AF65-F5344CB8AC3E}">
+        <p14:creationId xmlns:p14="http://schemas.microsoft.com/office/powerpoint/2010/main" val="2899249572"/>
+      </p:ext>
+    </p:extLst>
+  </p:cSld>
+  <p:clrMapOvr>
+    <a:masterClrMapping/>
+  </p:clrMapOvr>
+</p:sld>
+</file>
+
+<file path=ppt/slides/slide21.xml><?xml version="1.0" encoding="utf-8"?>
 <p:sld xmlns:a="http://schemas.openxmlformats.org/drawingml/2006/main" xmlns:r="http://schemas.openxmlformats.org/officeDocument/2006/relationships" xmlns:p="http://schemas.openxmlformats.org/presentationml/2006/main">
   <p:cSld>
     <p:spTree>
@@ -6053,6 +6364,36 @@
     <p:extLst>
       <p:ext uri="{BB962C8B-B14F-4D97-AF65-F5344CB8AC3E}">
         <p14:creationId xmlns:p14="http://schemas.microsoft.com/office/powerpoint/2010/main" val="2573130934"/>
+      </p:ext>
+    </p:extLst>
+  </p:cSld>
+  <p:clrMapOvr>
+    <a:masterClrMapping/>
+  </p:clrMapOvr>
+</p:sld>
+</file>
+
+<file path=ppt/slides/slide22.xml><?xml version="1.0" encoding="utf-8"?>
+<p:sld xmlns:a="http://schemas.openxmlformats.org/drawingml/2006/main" xmlns:r="http://schemas.openxmlformats.org/officeDocument/2006/relationships" xmlns:p="http://schemas.openxmlformats.org/presentationml/2006/main">
+  <p:cSld>
+    <p:spTree>
+      <p:nvGrpSpPr>
+        <p:cNvPr id="1" name=""/>
+        <p:cNvGrpSpPr/>
+        <p:nvPr/>
+      </p:nvGrpSpPr>
+      <p:grpSpPr>
+        <a:xfrm>
+          <a:off x="0" y="0"/>
+          <a:ext cx="0" cy="0"/>
+          <a:chOff x="0" y="0"/>
+          <a:chExt cx="0" cy="0"/>
+        </a:xfrm>
+      </p:grpSpPr>
+    </p:spTree>
+    <p:extLst>
+      <p:ext uri="{BB962C8B-B14F-4D97-AF65-F5344CB8AC3E}">
+        <p14:creationId xmlns:p14="http://schemas.microsoft.com/office/powerpoint/2010/main" val="3873542570"/>
       </p:ext>
     </p:extLst>
   </p:cSld>
@@ -6148,12 +6489,12 @@
           <a:graphicData uri="http://schemas.openxmlformats.org/presentationml/2006/ole">
             <mc:AlternateContent xmlns:mc="http://schemas.openxmlformats.org/markup-compatibility/2006">
               <mc:Choice xmlns:v="urn:schemas-microsoft-com:vml" Requires="v">
-                <p:oleObj name="Equation" r:id="rId2" imgW="3517560" imgH="927000" progId="Equation.DSMT4">
+                <p:oleObj spid="_x0000_s1029" name="Equation" r:id="rId3" imgW="3517560" imgH="927000" progId="Equation.DSMT4">
                   <p:embed/>
                 </p:oleObj>
               </mc:Choice>
               <mc:Fallback>
-                <p:oleObj name="Equation" r:id="rId2" imgW="3517560" imgH="927000" progId="Equation.DSMT4">
+                <p:oleObj name="Equation" r:id="rId3" imgW="3517560" imgH="927000" progId="Equation.DSMT4">
                   <p:embed/>
                   <p:pic>
                     <p:nvPicPr>
@@ -6162,7 +6503,7 @@
                       <p:nvPr/>
                     </p:nvPicPr>
                     <p:blipFill>
-                      <a:blip r:embed="rId3"/>
+                      <a:blip r:embed="rId4"/>
                       <a:stretch>
                         <a:fillRect/>
                       </a:stretch>

--- a/Note/图片存储.pptx
+++ b/Note/图片存储.pptx
@@ -291,7 +291,7 @@
           <a:p>
             <a:fld id="{6C19E794-00C5-430D-9F86-DA545848F4C2}" type="datetimeFigureOut">
               <a:rPr lang="zh-CN" altLang="en-US" smtClean="0"/>
-              <a:t>2025/4/8</a:t>
+              <a:t>2025/4/9</a:t>
             </a:fld>
             <a:endParaRPr lang="zh-CN" altLang="en-US"/>
           </a:p>
@@ -489,7 +489,7 @@
           <a:p>
             <a:fld id="{6C19E794-00C5-430D-9F86-DA545848F4C2}" type="datetimeFigureOut">
               <a:rPr lang="zh-CN" altLang="en-US" smtClean="0"/>
-              <a:t>2025/4/8</a:t>
+              <a:t>2025/4/9</a:t>
             </a:fld>
             <a:endParaRPr lang="zh-CN" altLang="en-US"/>
           </a:p>
@@ -697,7 +697,7 @@
           <a:p>
             <a:fld id="{6C19E794-00C5-430D-9F86-DA545848F4C2}" type="datetimeFigureOut">
               <a:rPr lang="zh-CN" altLang="en-US" smtClean="0"/>
-              <a:t>2025/4/8</a:t>
+              <a:t>2025/4/9</a:t>
             </a:fld>
             <a:endParaRPr lang="zh-CN" altLang="en-US"/>
           </a:p>
@@ -895,7 +895,7 @@
           <a:p>
             <a:fld id="{6C19E794-00C5-430D-9F86-DA545848F4C2}" type="datetimeFigureOut">
               <a:rPr lang="zh-CN" altLang="en-US" smtClean="0"/>
-              <a:t>2025/4/8</a:t>
+              <a:t>2025/4/9</a:t>
             </a:fld>
             <a:endParaRPr lang="zh-CN" altLang="en-US"/>
           </a:p>
@@ -1170,7 +1170,7 @@
           <a:p>
             <a:fld id="{6C19E794-00C5-430D-9F86-DA545848F4C2}" type="datetimeFigureOut">
               <a:rPr lang="zh-CN" altLang="en-US" smtClean="0"/>
-              <a:t>2025/4/8</a:t>
+              <a:t>2025/4/9</a:t>
             </a:fld>
             <a:endParaRPr lang="zh-CN" altLang="en-US"/>
           </a:p>
@@ -1435,7 +1435,7 @@
           <a:p>
             <a:fld id="{6C19E794-00C5-430D-9F86-DA545848F4C2}" type="datetimeFigureOut">
               <a:rPr lang="zh-CN" altLang="en-US" smtClean="0"/>
-              <a:t>2025/4/8</a:t>
+              <a:t>2025/4/9</a:t>
             </a:fld>
             <a:endParaRPr lang="zh-CN" altLang="en-US"/>
           </a:p>
@@ -1847,7 +1847,7 @@
           <a:p>
             <a:fld id="{6C19E794-00C5-430D-9F86-DA545848F4C2}" type="datetimeFigureOut">
               <a:rPr lang="zh-CN" altLang="en-US" smtClean="0"/>
-              <a:t>2025/4/8</a:t>
+              <a:t>2025/4/9</a:t>
             </a:fld>
             <a:endParaRPr lang="zh-CN" altLang="en-US"/>
           </a:p>
@@ -1988,7 +1988,7 @@
           <a:p>
             <a:fld id="{6C19E794-00C5-430D-9F86-DA545848F4C2}" type="datetimeFigureOut">
               <a:rPr lang="zh-CN" altLang="en-US" smtClean="0"/>
-              <a:t>2025/4/8</a:t>
+              <a:t>2025/4/9</a:t>
             </a:fld>
             <a:endParaRPr lang="zh-CN" altLang="en-US"/>
           </a:p>
@@ -2101,7 +2101,7 @@
           <a:p>
             <a:fld id="{6C19E794-00C5-430D-9F86-DA545848F4C2}" type="datetimeFigureOut">
               <a:rPr lang="zh-CN" altLang="en-US" smtClean="0"/>
-              <a:t>2025/4/8</a:t>
+              <a:t>2025/4/9</a:t>
             </a:fld>
             <a:endParaRPr lang="zh-CN" altLang="en-US"/>
           </a:p>
@@ -2412,7 +2412,7 @@
           <a:p>
             <a:fld id="{6C19E794-00C5-430D-9F86-DA545848F4C2}" type="datetimeFigureOut">
               <a:rPr lang="zh-CN" altLang="en-US" smtClean="0"/>
-              <a:t>2025/4/8</a:t>
+              <a:t>2025/4/9</a:t>
             </a:fld>
             <a:endParaRPr lang="zh-CN" altLang="en-US"/>
           </a:p>
@@ -2700,7 +2700,7 @@
           <a:p>
             <a:fld id="{6C19E794-00C5-430D-9F86-DA545848F4C2}" type="datetimeFigureOut">
               <a:rPr lang="zh-CN" altLang="en-US" smtClean="0"/>
-              <a:t>2025/4/8</a:t>
+              <a:t>2025/4/9</a:t>
             </a:fld>
             <a:endParaRPr lang="zh-CN" altLang="en-US"/>
           </a:p>
@@ -2941,7 +2941,7 @@
           <a:p>
             <a:fld id="{6C19E794-00C5-430D-9F86-DA545848F4C2}" type="datetimeFigureOut">
               <a:rPr lang="zh-CN" altLang="en-US" smtClean="0"/>
-              <a:t>2025/4/8</a:t>
+              <a:t>2025/4/9</a:t>
             </a:fld>
             <a:endParaRPr lang="zh-CN" altLang="en-US"/>
           </a:p>
@@ -6390,6 +6390,66 @@
           <a:chExt cx="0" cy="0"/>
         </a:xfrm>
       </p:grpSpPr>
+      <p:pic>
+        <p:nvPicPr>
+          <p:cNvPr id="5" name="图片 4">
+            <a:extLst>
+              <a:ext uri="{FF2B5EF4-FFF2-40B4-BE49-F238E27FC236}">
+                <a16:creationId xmlns:a16="http://schemas.microsoft.com/office/drawing/2014/main" id="{69BDB056-6694-4EDE-A495-83F965DA5E35}"/>
+              </a:ext>
+            </a:extLst>
+          </p:cNvPr>
+          <p:cNvPicPr>
+            <a:picLocks noChangeAspect="1"/>
+          </p:cNvPicPr>
+          <p:nvPr/>
+        </p:nvPicPr>
+        <p:blipFill>
+          <a:blip r:embed="rId2"/>
+          <a:stretch>
+            <a:fillRect/>
+          </a:stretch>
+        </p:blipFill>
+        <p:spPr>
+          <a:xfrm>
+            <a:off x="799606" y="1524000"/>
+            <a:ext cx="4572000" cy="3810000"/>
+          </a:xfrm>
+          <a:prstGeom prst="rect">
+            <a:avLst/>
+          </a:prstGeom>
+        </p:spPr>
+      </p:pic>
+      <p:pic>
+        <p:nvPicPr>
+          <p:cNvPr id="2" name="图片 1">
+            <a:extLst>
+              <a:ext uri="{FF2B5EF4-FFF2-40B4-BE49-F238E27FC236}">
+                <a16:creationId xmlns:a16="http://schemas.microsoft.com/office/drawing/2014/main" id="{4E84293E-64B7-4DBF-8587-C67F53C8E653}"/>
+              </a:ext>
+            </a:extLst>
+          </p:cNvPr>
+          <p:cNvPicPr>
+            <a:picLocks noChangeAspect="1"/>
+          </p:cNvPicPr>
+          <p:nvPr/>
+        </p:nvPicPr>
+        <p:blipFill>
+          <a:blip r:embed="rId3"/>
+          <a:stretch>
+            <a:fillRect/>
+          </a:stretch>
+        </p:blipFill>
+        <p:spPr>
+          <a:xfrm>
+            <a:off x="6096000" y="1601190"/>
+            <a:ext cx="4572000" cy="3810000"/>
+          </a:xfrm>
+          <a:prstGeom prst="rect">
+            <a:avLst/>
+          </a:prstGeom>
+        </p:spPr>
+      </p:pic>
     </p:spTree>
     <p:extLst>
       <p:ext uri="{BB962C8B-B14F-4D97-AF65-F5344CB8AC3E}">
@@ -6489,7 +6549,7 @@
           <a:graphicData uri="http://schemas.openxmlformats.org/presentationml/2006/ole">
             <mc:AlternateContent xmlns:mc="http://schemas.openxmlformats.org/markup-compatibility/2006">
               <mc:Choice xmlns:v="urn:schemas-microsoft-com:vml" Requires="v">
-                <p:oleObj spid="_x0000_s1029" name="Equation" r:id="rId3" imgW="3517560" imgH="927000" progId="Equation.DSMT4">
+                <p:oleObj spid="_x0000_s1031" name="Equation" r:id="rId3" imgW="3517560" imgH="927000" progId="Equation.DSMT4">
                   <p:embed/>
                 </p:oleObj>
               </mc:Choice>

--- a/Note/图片存储.pptx
+++ b/Note/图片存储.pptx
@@ -3358,6 +3358,66 @@
           <a:chExt cx="0" cy="0"/>
         </a:xfrm>
       </p:grpSpPr>
+      <p:pic>
+        <p:nvPicPr>
+          <p:cNvPr id="14" name="图片 13">
+            <a:extLst>
+              <a:ext uri="{FF2B5EF4-FFF2-40B4-BE49-F238E27FC236}">
+                <a16:creationId xmlns:a16="http://schemas.microsoft.com/office/drawing/2014/main" id="{1C125428-3770-4748-8D08-338DBB25118A}"/>
+              </a:ext>
+            </a:extLst>
+          </p:cNvPr>
+          <p:cNvPicPr>
+            <a:picLocks noChangeAspect="1"/>
+          </p:cNvPicPr>
+          <p:nvPr/>
+        </p:nvPicPr>
+        <p:blipFill>
+          <a:blip r:embed="rId2"/>
+          <a:stretch>
+            <a:fillRect/>
+          </a:stretch>
+        </p:blipFill>
+        <p:spPr>
+          <a:xfrm>
+            <a:off x="6343955" y="2022763"/>
+            <a:ext cx="3749965" cy="2812474"/>
+          </a:xfrm>
+          <a:prstGeom prst="rect">
+            <a:avLst/>
+          </a:prstGeom>
+        </p:spPr>
+      </p:pic>
+      <p:pic>
+        <p:nvPicPr>
+          <p:cNvPr id="8" name="图片 7">
+            <a:extLst>
+              <a:ext uri="{FF2B5EF4-FFF2-40B4-BE49-F238E27FC236}">
+                <a16:creationId xmlns:a16="http://schemas.microsoft.com/office/drawing/2014/main" id="{65812D5F-49CE-4407-8761-9B97DDF12DE8}"/>
+              </a:ext>
+            </a:extLst>
+          </p:cNvPr>
+          <p:cNvPicPr>
+            <a:picLocks noChangeAspect="1"/>
+          </p:cNvPicPr>
+          <p:nvPr/>
+        </p:nvPicPr>
+        <p:blipFill>
+          <a:blip r:embed="rId3"/>
+          <a:stretch>
+            <a:fillRect/>
+          </a:stretch>
+        </p:blipFill>
+        <p:spPr>
+          <a:xfrm>
+            <a:off x="2162414" y="1852551"/>
+            <a:ext cx="4504707" cy="3378530"/>
+          </a:xfrm>
+          <a:prstGeom prst="rect">
+            <a:avLst/>
+          </a:prstGeom>
+        </p:spPr>
+      </p:pic>
       <p:sp>
         <p:nvSpPr>
           <p:cNvPr id="10" name="文本框 9">
@@ -3393,185 +3453,85 @@
           </a:p>
         </p:txBody>
       </p:sp>
-      <p:grpSp>
-        <p:nvGrpSpPr>
-          <p:cNvPr id="7" name="组合 6">
-            <a:extLst>
-              <a:ext uri="{FF2B5EF4-FFF2-40B4-BE49-F238E27FC236}">
-                <a16:creationId xmlns:a16="http://schemas.microsoft.com/office/drawing/2014/main" id="{D6AEB43F-9966-43C7-A1C2-8A4928A80ADD}"/>
-              </a:ext>
-            </a:extLst>
-          </p:cNvPr>
-          <p:cNvGrpSpPr/>
-          <p:nvPr/>
-        </p:nvGrpSpPr>
-        <p:grpSpPr>
-          <a:xfrm>
-            <a:off x="762000" y="1428750"/>
-            <a:ext cx="7651999" cy="4000500"/>
-            <a:chOff x="762000" y="1428750"/>
-            <a:chExt cx="7651999" cy="4000500"/>
-          </a:xfrm>
-        </p:grpSpPr>
-        <p:grpSp>
-          <p:nvGrpSpPr>
-            <p:cNvPr id="2" name="组合 1">
-              <a:extLst>
-                <a:ext uri="{FF2B5EF4-FFF2-40B4-BE49-F238E27FC236}">
-                  <a16:creationId xmlns:a16="http://schemas.microsoft.com/office/drawing/2014/main" id="{B150F961-DE41-4B2C-B426-7EA06FFC0F73}"/>
-                </a:ext>
-              </a:extLst>
-            </p:cNvPr>
-            <p:cNvGrpSpPr/>
-            <p:nvPr/>
-          </p:nvGrpSpPr>
-          <p:grpSpPr>
-            <a:xfrm>
-              <a:off x="762000" y="1428750"/>
-              <a:ext cx="7651999" cy="4000500"/>
-              <a:chOff x="762000" y="1428750"/>
-              <a:chExt cx="7651999" cy="4000500"/>
-            </a:xfrm>
-          </p:grpSpPr>
-          <p:pic>
-            <p:nvPicPr>
-              <p:cNvPr id="5" name="图片 4">
-                <a:extLst>
-                  <a:ext uri="{FF2B5EF4-FFF2-40B4-BE49-F238E27FC236}">
-                    <a16:creationId xmlns:a16="http://schemas.microsoft.com/office/drawing/2014/main" id="{A2848219-A623-73A0-52C8-FA619BCBF3D8}"/>
-                  </a:ext>
-                </a:extLst>
-              </p:cNvPr>
-              <p:cNvPicPr>
-                <a:picLocks noChangeAspect="1"/>
-              </p:cNvPicPr>
-              <p:nvPr/>
-            </p:nvPicPr>
-            <p:blipFill>
-              <a:blip r:embed="rId2"/>
-              <a:stretch>
-                <a:fillRect/>
-              </a:stretch>
-            </p:blipFill>
-            <p:spPr>
-              <a:xfrm>
-                <a:off x="762000" y="1428750"/>
-                <a:ext cx="5334000" cy="4000500"/>
-              </a:xfrm>
-              <a:prstGeom prst="rect">
-                <a:avLst/>
-              </a:prstGeom>
-            </p:spPr>
-          </p:pic>
-          <p:pic>
-            <p:nvPicPr>
-              <p:cNvPr id="9" name="图片 8">
-                <a:extLst>
-                  <a:ext uri="{FF2B5EF4-FFF2-40B4-BE49-F238E27FC236}">
-                    <a16:creationId xmlns:a16="http://schemas.microsoft.com/office/drawing/2014/main" id="{CC5E6095-11A4-ECD9-5967-6866BE415846}"/>
-                  </a:ext>
-                </a:extLst>
-              </p:cNvPr>
-              <p:cNvPicPr>
-                <a:picLocks noChangeAspect="1"/>
-              </p:cNvPicPr>
-              <p:nvPr/>
-            </p:nvPicPr>
-            <p:blipFill>
-              <a:blip r:embed="rId3"/>
-              <a:stretch>
-                <a:fillRect/>
-              </a:stretch>
-            </p:blipFill>
-            <p:spPr>
-              <a:xfrm>
-                <a:off x="5777676" y="1579417"/>
-                <a:ext cx="2636323" cy="1977242"/>
-              </a:xfrm>
-              <a:prstGeom prst="rect">
-                <a:avLst/>
-              </a:prstGeom>
-            </p:spPr>
-          </p:pic>
-        </p:grpSp>
-        <p:cxnSp>
-          <p:nvCxnSpPr>
-            <p:cNvPr id="4" name="直接箭头连接符 3">
-              <a:extLst>
-                <a:ext uri="{FF2B5EF4-FFF2-40B4-BE49-F238E27FC236}">
-                  <a16:creationId xmlns:a16="http://schemas.microsoft.com/office/drawing/2014/main" id="{CF247F0E-0445-4F95-A1A6-A354F6263FD5}"/>
-                </a:ext>
-              </a:extLst>
-            </p:cNvPr>
-            <p:cNvCxnSpPr/>
-            <p:nvPr/>
-          </p:nvCxnSpPr>
-          <p:spPr>
-            <a:xfrm flipV="1">
-              <a:off x="4762006" y="2731325"/>
-              <a:ext cx="1223489" cy="391885"/>
-            </a:xfrm>
-            <a:prstGeom prst="straightConnector1">
-              <a:avLst/>
-            </a:prstGeom>
-            <a:ln w="12700">
-              <a:solidFill>
-                <a:srgbClr val="C00000"/>
-              </a:solidFill>
-              <a:tailEnd type="triangle"/>
-            </a:ln>
-          </p:spPr>
-          <p:style>
-            <a:lnRef idx="1">
-              <a:schemeClr val="accent1"/>
-            </a:lnRef>
-            <a:fillRef idx="0">
-              <a:schemeClr val="accent1"/>
-            </a:fillRef>
-            <a:effectRef idx="0">
-              <a:schemeClr val="accent1"/>
-            </a:effectRef>
-            <a:fontRef idx="minor">
-              <a:schemeClr val="tx1"/>
-            </a:fontRef>
-          </p:style>
-        </p:cxnSp>
-        <p:sp>
-          <p:nvSpPr>
-            <p:cNvPr id="6" name="文本框 5">
-              <a:extLst>
-                <a:ext uri="{FF2B5EF4-FFF2-40B4-BE49-F238E27FC236}">
-                  <a16:creationId xmlns:a16="http://schemas.microsoft.com/office/drawing/2014/main" id="{12A40D67-5B9B-4101-ACE1-DEAF7968AB53}"/>
-                </a:ext>
-              </a:extLst>
-            </p:cNvPr>
-            <p:cNvSpPr txBox="1"/>
-            <p:nvPr/>
-          </p:nvSpPr>
-          <p:spPr>
-            <a:xfrm>
-              <a:off x="4827320" y="2546659"/>
-              <a:ext cx="646331" cy="369332"/>
-            </a:xfrm>
-            <a:prstGeom prst="rect">
-              <a:avLst/>
-            </a:prstGeom>
-            <a:noFill/>
-          </p:spPr>
-          <p:txBody>
-            <a:bodyPr wrap="none" rtlCol="0">
-              <a:spAutoFit/>
-            </a:bodyPr>
-            <a:lstStyle/>
-            <a:p>
-              <a:r>
-                <a:rPr lang="zh-CN" altLang="en-US" dirty="0"/>
-                <a:t>放大</a:t>
-              </a:r>
-            </a:p>
-          </p:txBody>
-        </p:sp>
-      </p:grpSp>
+      <p:cxnSp>
+        <p:nvCxnSpPr>
+          <p:cNvPr id="4" name="直接箭头连接符 3">
+            <a:extLst>
+              <a:ext uri="{FF2B5EF4-FFF2-40B4-BE49-F238E27FC236}">
+                <a16:creationId xmlns:a16="http://schemas.microsoft.com/office/drawing/2014/main" id="{CF247F0E-0445-4F95-A1A6-A354F6263FD5}"/>
+              </a:ext>
+            </a:extLst>
+          </p:cNvPr>
+          <p:cNvCxnSpPr>
+            <a:cxnSpLocks/>
+          </p:cNvCxnSpPr>
+          <p:nvPr/>
+        </p:nvCxnSpPr>
+        <p:spPr>
+          <a:xfrm flipV="1">
+            <a:off x="5955476" y="3087584"/>
+            <a:ext cx="1246908" cy="136568"/>
+          </a:xfrm>
+          <a:prstGeom prst="straightConnector1">
+            <a:avLst/>
+          </a:prstGeom>
+          <a:ln w="12700">
+            <a:solidFill>
+              <a:srgbClr val="C00000"/>
+            </a:solidFill>
+            <a:tailEnd type="triangle"/>
+          </a:ln>
+        </p:spPr>
+        <p:style>
+          <a:lnRef idx="1">
+            <a:schemeClr val="accent1"/>
+          </a:lnRef>
+          <a:fillRef idx="0">
+            <a:schemeClr val="accent1"/>
+          </a:fillRef>
+          <a:effectRef idx="0">
+            <a:schemeClr val="accent1"/>
+          </a:effectRef>
+          <a:fontRef idx="minor">
+            <a:schemeClr val="tx1"/>
+          </a:fontRef>
+        </p:style>
+      </p:cxnSp>
+      <p:sp>
+        <p:nvSpPr>
+          <p:cNvPr id="6" name="文本框 5">
+            <a:extLst>
+              <a:ext uri="{FF2B5EF4-FFF2-40B4-BE49-F238E27FC236}">
+                <a16:creationId xmlns:a16="http://schemas.microsoft.com/office/drawing/2014/main" id="{12A40D67-5B9B-4101-ACE1-DEAF7968AB53}"/>
+              </a:ext>
+            </a:extLst>
+          </p:cNvPr>
+          <p:cNvSpPr txBox="1"/>
+          <p:nvPr/>
+        </p:nvSpPr>
+        <p:spPr>
+          <a:xfrm>
+            <a:off x="6181107" y="2691740"/>
+            <a:ext cx="646331" cy="369332"/>
+          </a:xfrm>
+          <a:prstGeom prst="rect">
+            <a:avLst/>
+          </a:prstGeom>
+          <a:noFill/>
+        </p:spPr>
+        <p:txBody>
+          <a:bodyPr wrap="none" rtlCol="0">
+            <a:spAutoFit/>
+          </a:bodyPr>
+          <a:lstStyle/>
+          <a:p>
+            <a:r>
+              <a:rPr lang="zh-CN" altLang="en-US" dirty="0"/>
+              <a:t>放大</a:t>
+            </a:r>
+          </a:p>
+        </p:txBody>
+      </p:sp>
     </p:spTree>
     <p:extLst>
       <p:ext uri="{BB962C8B-B14F-4D97-AF65-F5344CB8AC3E}">
@@ -3645,10 +3605,10 @@
       </p:sp>
       <p:pic>
         <p:nvPicPr>
-          <p:cNvPr id="4" name="图片 3">
-            <a:extLst>
-              <a:ext uri="{FF2B5EF4-FFF2-40B4-BE49-F238E27FC236}">
-                <a16:creationId xmlns:a16="http://schemas.microsoft.com/office/drawing/2014/main" id="{06B3D5EB-6C0E-4B45-E9F5-B085E479D050}"/>
+          <p:cNvPr id="5" name="图片 4">
+            <a:extLst>
+              <a:ext uri="{FF2B5EF4-FFF2-40B4-BE49-F238E27FC236}">
+                <a16:creationId xmlns:a16="http://schemas.microsoft.com/office/drawing/2014/main" id="{FD89566D-F3AA-4120-9482-BD165835750C}"/>
               </a:ext>
             </a:extLst>
           </p:cNvPr>
@@ -3665,8 +3625,8 @@
         </p:blipFill>
         <p:spPr>
           <a:xfrm>
-            <a:off x="431800" y="1835150"/>
-            <a:ext cx="5334000" cy="4000500"/>
+            <a:off x="544286" y="2060369"/>
+            <a:ext cx="4560125" cy="3420094"/>
           </a:xfrm>
           <a:prstGeom prst="rect">
             <a:avLst/>
@@ -3675,10 +3635,10 @@
       </p:pic>
       <p:pic>
         <p:nvPicPr>
-          <p:cNvPr id="6" name="图片 5">
-            <a:extLst>
-              <a:ext uri="{FF2B5EF4-FFF2-40B4-BE49-F238E27FC236}">
-                <a16:creationId xmlns:a16="http://schemas.microsoft.com/office/drawing/2014/main" id="{BF2E8A9D-30E3-1F18-F26A-3867D6AC8791}"/>
+          <p:cNvPr id="8" name="图片 7">
+            <a:extLst>
+              <a:ext uri="{FF2B5EF4-FFF2-40B4-BE49-F238E27FC236}">
+                <a16:creationId xmlns:a16="http://schemas.microsoft.com/office/drawing/2014/main" id="{E74CC449-7164-4188-B4A4-7B56E2683AA2}"/>
               </a:ext>
             </a:extLst>
           </p:cNvPr>
@@ -3695,8 +3655,8 @@
         </p:blipFill>
         <p:spPr>
           <a:xfrm>
-            <a:off x="5765800" y="1835150"/>
-            <a:ext cx="5334000" cy="4000500"/>
+            <a:off x="4949042" y="2395476"/>
+            <a:ext cx="3666506" cy="2749880"/>
           </a:xfrm>
           <a:prstGeom prst="rect">
             <a:avLst/>
@@ -5098,12 +5058,47 @@
           </a:p>
         </p:txBody>
       </p:sp>
+      <p:sp>
+        <p:nvSpPr>
+          <p:cNvPr id="7" name="文本框 6">
+            <a:extLst>
+              <a:ext uri="{FF2B5EF4-FFF2-40B4-BE49-F238E27FC236}">
+                <a16:creationId xmlns:a16="http://schemas.microsoft.com/office/drawing/2014/main" id="{28FA383B-5097-7B0E-F5C7-AC3EED8E4F6C}"/>
+              </a:ext>
+            </a:extLst>
+          </p:cNvPr>
+          <p:cNvSpPr txBox="1"/>
+          <p:nvPr/>
+        </p:nvSpPr>
+        <p:spPr>
+          <a:xfrm>
+            <a:off x="6602911" y="1738169"/>
+            <a:ext cx="1338828" cy="369332"/>
+          </a:xfrm>
+          <a:prstGeom prst="rect">
+            <a:avLst/>
+          </a:prstGeom>
+          <a:noFill/>
+        </p:spPr>
+        <p:txBody>
+          <a:bodyPr wrap="none" rtlCol="0">
+            <a:spAutoFit/>
+          </a:bodyPr>
+          <a:lstStyle/>
+          <a:p>
+            <a:r>
+              <a:rPr lang="zh-CN" altLang="en-US" dirty="0"/>
+              <a:t>单边带信号</a:t>
+            </a:r>
+          </a:p>
+        </p:txBody>
+      </p:sp>
       <p:pic>
         <p:nvPicPr>
-          <p:cNvPr id="6" name="图片 5">
-            <a:extLst>
-              <a:ext uri="{FF2B5EF4-FFF2-40B4-BE49-F238E27FC236}">
-                <a16:creationId xmlns:a16="http://schemas.microsoft.com/office/drawing/2014/main" id="{52C4E9E3-B58E-5630-6538-E29619FD34FF}"/>
+          <p:cNvPr id="8" name="图片 7">
+            <a:extLst>
+              <a:ext uri="{FF2B5EF4-FFF2-40B4-BE49-F238E27FC236}">
+                <a16:creationId xmlns:a16="http://schemas.microsoft.com/office/drawing/2014/main" id="{A755781C-AB17-425E-891F-E8BC777265F6}"/>
               </a:ext>
             </a:extLst>
           </p:cNvPr>
@@ -5120,7 +5115,7 @@
         </p:blipFill>
         <p:spPr>
           <a:xfrm>
-            <a:off x="6222609" y="2039382"/>
+            <a:off x="6499761" y="2039382"/>
             <a:ext cx="4572000" cy="3810000"/>
           </a:xfrm>
           <a:prstGeom prst="rect">
@@ -5128,41 +5123,6 @@
           </a:prstGeom>
         </p:spPr>
       </p:pic>
-      <p:sp>
-        <p:nvSpPr>
-          <p:cNvPr id="7" name="文本框 6">
-            <a:extLst>
-              <a:ext uri="{FF2B5EF4-FFF2-40B4-BE49-F238E27FC236}">
-                <a16:creationId xmlns:a16="http://schemas.microsoft.com/office/drawing/2014/main" id="{28FA383B-5097-7B0E-F5C7-AC3EED8E4F6C}"/>
-              </a:ext>
-            </a:extLst>
-          </p:cNvPr>
-          <p:cNvSpPr txBox="1"/>
-          <p:nvPr/>
-        </p:nvSpPr>
-        <p:spPr>
-          <a:xfrm>
-            <a:off x="6602911" y="1738169"/>
-            <a:ext cx="1338828" cy="369332"/>
-          </a:xfrm>
-          <a:prstGeom prst="rect">
-            <a:avLst/>
-          </a:prstGeom>
-          <a:noFill/>
-        </p:spPr>
-        <p:txBody>
-          <a:bodyPr wrap="none" rtlCol="0">
-            <a:spAutoFit/>
-          </a:bodyPr>
-          <a:lstStyle/>
-          <a:p>
-            <a:r>
-              <a:rPr lang="zh-CN" altLang="en-US" dirty="0"/>
-              <a:t>单边带信号</a:t>
-            </a:r>
-          </a:p>
-        </p:txBody>
-      </p:sp>
     </p:spTree>
     <p:extLst>
       <p:ext uri="{BB962C8B-B14F-4D97-AF65-F5344CB8AC3E}">
@@ -5245,7 +5205,7 @@
         </p:blipFill>
         <p:spPr>
           <a:xfrm>
-            <a:off x="5917870" y="1407226"/>
+            <a:off x="5348243" y="1508168"/>
             <a:ext cx="4572000" cy="3200400"/>
           </a:xfrm>
           <a:prstGeom prst="rect">
@@ -5253,6 +5213,155 @@
           </a:prstGeom>
         </p:spPr>
       </p:pic>
+      <p:sp>
+        <p:nvSpPr>
+          <p:cNvPr id="2" name="椭圆 1">
+            <a:extLst>
+              <a:ext uri="{FF2B5EF4-FFF2-40B4-BE49-F238E27FC236}">
+                <a16:creationId xmlns:a16="http://schemas.microsoft.com/office/drawing/2014/main" id="{BD9FC2EA-0AA0-4A11-B220-45222FCE27CC}"/>
+              </a:ext>
+            </a:extLst>
+          </p:cNvPr>
+          <p:cNvSpPr/>
+          <p:nvPr/>
+        </p:nvSpPr>
+        <p:spPr>
+          <a:xfrm>
+            <a:off x="6096000" y="1900052"/>
+            <a:ext cx="2856016" cy="896587"/>
+          </a:xfrm>
+          <a:prstGeom prst="ellipse">
+            <a:avLst/>
+          </a:prstGeom>
+          <a:noFill/>
+          <a:ln>
+            <a:solidFill>
+              <a:schemeClr val="tx1"/>
+            </a:solidFill>
+          </a:ln>
+        </p:spPr>
+        <p:style>
+          <a:lnRef idx="2">
+            <a:schemeClr val="accent1">
+              <a:shade val="50000"/>
+            </a:schemeClr>
+          </a:lnRef>
+          <a:fillRef idx="1">
+            <a:schemeClr val="accent1"/>
+          </a:fillRef>
+          <a:effectRef idx="0">
+            <a:schemeClr val="accent1"/>
+          </a:effectRef>
+          <a:fontRef idx="minor">
+            <a:schemeClr val="lt1"/>
+          </a:fontRef>
+        </p:style>
+        <p:txBody>
+          <a:bodyPr rtlCol="0" anchor="ctr"/>
+          <a:lstStyle/>
+          <a:p>
+            <a:pPr algn="ctr"/>
+            <a:endParaRPr lang="zh-CN" altLang="en-US"/>
+          </a:p>
+        </p:txBody>
+      </p:sp>
+      <p:sp>
+        <p:nvSpPr>
+          <p:cNvPr id="5" name="椭圆 4">
+            <a:extLst>
+              <a:ext uri="{FF2B5EF4-FFF2-40B4-BE49-F238E27FC236}">
+                <a16:creationId xmlns:a16="http://schemas.microsoft.com/office/drawing/2014/main" id="{C56DD0C8-3A5B-4AEF-8694-70AE3DC0203B}"/>
+              </a:ext>
+            </a:extLst>
+          </p:cNvPr>
+          <p:cNvSpPr/>
+          <p:nvPr/>
+        </p:nvSpPr>
+        <p:spPr>
+          <a:xfrm>
+            <a:off x="3455719" y="2173185"/>
+            <a:ext cx="296883" cy="225632"/>
+          </a:xfrm>
+          <a:prstGeom prst="ellipse">
+            <a:avLst/>
+          </a:prstGeom>
+          <a:noFill/>
+          <a:ln>
+            <a:solidFill>
+              <a:schemeClr val="tx1"/>
+            </a:solidFill>
+          </a:ln>
+        </p:spPr>
+        <p:style>
+          <a:lnRef idx="2">
+            <a:schemeClr val="accent1">
+              <a:shade val="50000"/>
+            </a:schemeClr>
+          </a:lnRef>
+          <a:fillRef idx="1">
+            <a:schemeClr val="accent1"/>
+          </a:fillRef>
+          <a:effectRef idx="0">
+            <a:schemeClr val="accent1"/>
+          </a:effectRef>
+          <a:fontRef idx="minor">
+            <a:schemeClr val="lt1"/>
+          </a:fontRef>
+        </p:style>
+        <p:txBody>
+          <a:bodyPr rtlCol="0" anchor="ctr"/>
+          <a:lstStyle/>
+          <a:p>
+            <a:pPr algn="ctr"/>
+            <a:endParaRPr lang="zh-CN" altLang="en-US"/>
+          </a:p>
+        </p:txBody>
+      </p:sp>
+      <p:cxnSp>
+        <p:nvCxnSpPr>
+          <p:cNvPr id="4" name="直接箭头连接符 3">
+            <a:extLst>
+              <a:ext uri="{FF2B5EF4-FFF2-40B4-BE49-F238E27FC236}">
+                <a16:creationId xmlns:a16="http://schemas.microsoft.com/office/drawing/2014/main" id="{2EEA39DB-301A-4E18-AF48-4016944FE223}"/>
+              </a:ext>
+            </a:extLst>
+          </p:cNvPr>
+          <p:cNvCxnSpPr/>
+          <p:nvPr/>
+        </p:nvCxnSpPr>
+        <p:spPr>
+          <a:xfrm flipV="1">
+            <a:off x="3817917" y="2297875"/>
+            <a:ext cx="1858488" cy="100942"/>
+          </a:xfrm>
+          <a:prstGeom prst="straightConnector1">
+            <a:avLst/>
+          </a:prstGeom>
+          <a:noFill/>
+          <a:ln>
+            <a:solidFill>
+              <a:schemeClr val="tx1"/>
+            </a:solidFill>
+            <a:tailEnd type="triangle"/>
+          </a:ln>
+        </p:spPr>
+        <p:style>
+          <a:lnRef idx="2">
+            <a:schemeClr val="accent1">
+              <a:shade val="50000"/>
+            </a:schemeClr>
+          </a:lnRef>
+          <a:fillRef idx="1">
+            <a:schemeClr val="accent1"/>
+          </a:fillRef>
+          <a:effectRef idx="0">
+            <a:schemeClr val="accent1"/>
+          </a:effectRef>
+          <a:fontRef idx="minor">
+            <a:schemeClr val="lt1"/>
+          </a:fontRef>
+        </p:style>
+      </p:cxnSp>
     </p:spTree>
     <p:extLst>
       <p:ext uri="{BB962C8B-B14F-4D97-AF65-F5344CB8AC3E}">
@@ -5728,6 +5837,66 @@
           <a:chExt cx="0" cy="0"/>
         </a:xfrm>
       </p:grpSpPr>
+      <p:pic>
+        <p:nvPicPr>
+          <p:cNvPr id="14" name="图片 13">
+            <a:extLst>
+              <a:ext uri="{FF2B5EF4-FFF2-40B4-BE49-F238E27FC236}">
+                <a16:creationId xmlns:a16="http://schemas.microsoft.com/office/drawing/2014/main" id="{5A9BB457-A273-4022-9DF4-C952BCA852FD}"/>
+              </a:ext>
+            </a:extLst>
+          </p:cNvPr>
+          <p:cNvPicPr>
+            <a:picLocks noChangeAspect="1"/>
+          </p:cNvPicPr>
+          <p:nvPr/>
+        </p:nvPicPr>
+        <p:blipFill>
+          <a:blip r:embed="rId2"/>
+          <a:stretch>
+            <a:fillRect/>
+          </a:stretch>
+        </p:blipFill>
+        <p:spPr>
+          <a:xfrm>
+            <a:off x="5343022" y="2226295"/>
+            <a:ext cx="3207211" cy="2405409"/>
+          </a:xfrm>
+          <a:prstGeom prst="rect">
+            <a:avLst/>
+          </a:prstGeom>
+        </p:spPr>
+      </p:pic>
+      <p:pic>
+        <p:nvPicPr>
+          <p:cNvPr id="12" name="图片 11">
+            <a:extLst>
+              <a:ext uri="{FF2B5EF4-FFF2-40B4-BE49-F238E27FC236}">
+                <a16:creationId xmlns:a16="http://schemas.microsoft.com/office/drawing/2014/main" id="{7F50405A-0A70-4143-86E6-E1F47E0A09A7}"/>
+              </a:ext>
+            </a:extLst>
+          </p:cNvPr>
+          <p:cNvPicPr>
+            <a:picLocks noChangeAspect="1"/>
+          </p:cNvPicPr>
+          <p:nvPr/>
+        </p:nvPicPr>
+        <p:blipFill>
+          <a:blip r:embed="rId3"/>
+          <a:stretch>
+            <a:fillRect/>
+          </a:stretch>
+        </p:blipFill>
+        <p:spPr>
+          <a:xfrm>
+            <a:off x="1174704" y="1975925"/>
+            <a:ext cx="4522295" cy="3391721"/>
+          </a:xfrm>
+          <a:prstGeom prst="rect">
+            <a:avLst/>
+          </a:prstGeom>
+        </p:spPr>
+      </p:pic>
       <p:sp>
         <p:nvSpPr>
           <p:cNvPr id="4" name="文本框 3">
@@ -5798,166 +5967,85 @@
           </a:p>
         </p:txBody>
       </p:sp>
-      <p:grpSp>
-        <p:nvGrpSpPr>
-          <p:cNvPr id="5" name="组合 4">
-            <a:extLst>
-              <a:ext uri="{FF2B5EF4-FFF2-40B4-BE49-F238E27FC236}">
-                <a16:creationId xmlns:a16="http://schemas.microsoft.com/office/drawing/2014/main" id="{6184BE4C-3A32-4C9D-89B8-964BE162D354}"/>
-              </a:ext>
-            </a:extLst>
-          </p:cNvPr>
-          <p:cNvGrpSpPr/>
-          <p:nvPr/>
-        </p:nvGrpSpPr>
-        <p:grpSpPr>
-          <a:xfrm>
-            <a:off x="762000" y="1809750"/>
-            <a:ext cx="7611589" cy="4000500"/>
-            <a:chOff x="762000" y="1809750"/>
-            <a:chExt cx="7611589" cy="4000500"/>
-          </a:xfrm>
-        </p:grpSpPr>
-        <p:pic>
-          <p:nvPicPr>
-            <p:cNvPr id="3" name="图片 2">
-              <a:extLst>
-                <a:ext uri="{FF2B5EF4-FFF2-40B4-BE49-F238E27FC236}">
-                  <a16:creationId xmlns:a16="http://schemas.microsoft.com/office/drawing/2014/main" id="{105A0945-2F90-6017-9C1F-77F1BA314CB3}"/>
-                </a:ext>
-              </a:extLst>
-            </p:cNvPr>
-            <p:cNvPicPr>
-              <a:picLocks noChangeAspect="1"/>
-            </p:cNvPicPr>
-            <p:nvPr/>
-          </p:nvPicPr>
-          <p:blipFill>
-            <a:blip r:embed="rId2"/>
-            <a:stretch>
-              <a:fillRect/>
-            </a:stretch>
-          </p:blipFill>
-          <p:spPr>
-            <a:xfrm>
-              <a:off x="762000" y="1809750"/>
-              <a:ext cx="5334000" cy="4000500"/>
-            </a:xfrm>
-            <a:prstGeom prst="rect">
-              <a:avLst/>
-            </a:prstGeom>
-          </p:spPr>
-        </p:pic>
-        <p:pic>
-          <p:nvPicPr>
-            <p:cNvPr id="6" name="图片 5">
-              <a:extLst>
-                <a:ext uri="{FF2B5EF4-FFF2-40B4-BE49-F238E27FC236}">
-                  <a16:creationId xmlns:a16="http://schemas.microsoft.com/office/drawing/2014/main" id="{2D5ECE7E-D1AF-F7CE-D64F-94C4E33F21C7}"/>
-                </a:ext>
-              </a:extLst>
-            </p:cNvPr>
-            <p:cNvPicPr>
-              <a:picLocks noChangeAspect="1"/>
-            </p:cNvPicPr>
-            <p:nvPr/>
-          </p:nvPicPr>
-          <p:blipFill>
-            <a:blip r:embed="rId3"/>
-            <a:stretch>
-              <a:fillRect/>
-            </a:stretch>
-          </p:blipFill>
-          <p:spPr>
-            <a:xfrm>
-              <a:off x="5637810" y="1941615"/>
-              <a:ext cx="2735779" cy="2051834"/>
-            </a:xfrm>
-            <a:prstGeom prst="rect">
-              <a:avLst/>
-            </a:prstGeom>
-          </p:spPr>
-        </p:pic>
-        <p:cxnSp>
-          <p:nvCxnSpPr>
-            <p:cNvPr id="8" name="直接箭头连接符 7">
-              <a:extLst>
-                <a:ext uri="{FF2B5EF4-FFF2-40B4-BE49-F238E27FC236}">
-                  <a16:creationId xmlns:a16="http://schemas.microsoft.com/office/drawing/2014/main" id="{F3854DA5-4159-4000-8371-3CB0A14F9896}"/>
-                </a:ext>
-              </a:extLst>
-            </p:cNvPr>
-            <p:cNvCxnSpPr>
-              <a:cxnSpLocks/>
-            </p:cNvCxnSpPr>
-            <p:nvPr/>
-          </p:nvCxnSpPr>
-          <p:spPr>
-            <a:xfrm flipV="1">
-              <a:off x="4643253" y="3221781"/>
-              <a:ext cx="1104404" cy="207220"/>
-            </a:xfrm>
-            <a:prstGeom prst="straightConnector1">
-              <a:avLst/>
-            </a:prstGeom>
-            <a:ln w="12700">
-              <a:solidFill>
-                <a:srgbClr val="C00000"/>
-              </a:solidFill>
-              <a:tailEnd type="triangle"/>
-            </a:ln>
-          </p:spPr>
-          <p:style>
-            <a:lnRef idx="1">
-              <a:schemeClr val="accent1"/>
-            </a:lnRef>
-            <a:fillRef idx="0">
-              <a:schemeClr val="accent1"/>
-            </a:fillRef>
-            <a:effectRef idx="0">
-              <a:schemeClr val="accent1"/>
-            </a:effectRef>
-            <a:fontRef idx="minor">
-              <a:schemeClr val="tx1"/>
-            </a:fontRef>
-          </p:style>
-        </p:cxnSp>
-        <p:sp>
-          <p:nvSpPr>
-            <p:cNvPr id="9" name="文本框 8">
-              <a:extLst>
-                <a:ext uri="{FF2B5EF4-FFF2-40B4-BE49-F238E27FC236}">
-                  <a16:creationId xmlns:a16="http://schemas.microsoft.com/office/drawing/2014/main" id="{8FFFD92E-D02C-4701-B84F-121BD8EADF2E}"/>
-                </a:ext>
-              </a:extLst>
-            </p:cNvPr>
-            <p:cNvSpPr txBox="1"/>
-            <p:nvPr/>
-          </p:nvSpPr>
-          <p:spPr>
-            <a:xfrm>
-              <a:off x="4708567" y="2852449"/>
-              <a:ext cx="646331" cy="369332"/>
-            </a:xfrm>
-            <a:prstGeom prst="rect">
-              <a:avLst/>
-            </a:prstGeom>
-            <a:noFill/>
-          </p:spPr>
-          <p:txBody>
-            <a:bodyPr wrap="none" rtlCol="0">
-              <a:spAutoFit/>
-            </a:bodyPr>
-            <a:lstStyle/>
-            <a:p>
-              <a:r>
-                <a:rPr lang="zh-CN" altLang="en-US" dirty="0"/>
-                <a:t>放大</a:t>
-              </a:r>
-            </a:p>
-          </p:txBody>
-        </p:sp>
-      </p:grpSp>
+      <p:cxnSp>
+        <p:nvCxnSpPr>
+          <p:cNvPr id="8" name="直接箭头连接符 7">
+            <a:extLst>
+              <a:ext uri="{FF2B5EF4-FFF2-40B4-BE49-F238E27FC236}">
+                <a16:creationId xmlns:a16="http://schemas.microsoft.com/office/drawing/2014/main" id="{F3854DA5-4159-4000-8371-3CB0A14F9896}"/>
+              </a:ext>
+            </a:extLst>
+          </p:cNvPr>
+          <p:cNvCxnSpPr>
+            <a:cxnSpLocks/>
+          </p:cNvCxnSpPr>
+          <p:nvPr/>
+        </p:nvCxnSpPr>
+        <p:spPr>
+          <a:xfrm flipV="1">
+            <a:off x="5246553" y="3164774"/>
+            <a:ext cx="849447" cy="198914"/>
+          </a:xfrm>
+          <a:prstGeom prst="straightConnector1">
+            <a:avLst/>
+          </a:prstGeom>
+          <a:ln w="12700">
+            <a:solidFill>
+              <a:srgbClr val="C00000"/>
+            </a:solidFill>
+            <a:tailEnd type="triangle"/>
+          </a:ln>
+        </p:spPr>
+        <p:style>
+          <a:lnRef idx="1">
+            <a:schemeClr val="accent1"/>
+          </a:lnRef>
+          <a:fillRef idx="0">
+            <a:schemeClr val="accent1"/>
+          </a:fillRef>
+          <a:effectRef idx="0">
+            <a:schemeClr val="accent1"/>
+          </a:effectRef>
+          <a:fontRef idx="minor">
+            <a:schemeClr val="tx1"/>
+          </a:fontRef>
+        </p:style>
+      </p:cxnSp>
+      <p:sp>
+        <p:nvSpPr>
+          <p:cNvPr id="9" name="文本框 8">
+            <a:extLst>
+              <a:ext uri="{FF2B5EF4-FFF2-40B4-BE49-F238E27FC236}">
+                <a16:creationId xmlns:a16="http://schemas.microsoft.com/office/drawing/2014/main" id="{8FFFD92E-D02C-4701-B84F-121BD8EADF2E}"/>
+              </a:ext>
+            </a:extLst>
+          </p:cNvPr>
+          <p:cNvSpPr txBox="1"/>
+          <p:nvPr/>
+        </p:nvSpPr>
+        <p:spPr>
+          <a:xfrm>
+            <a:off x="5142794" y="2852033"/>
+            <a:ext cx="721090" cy="369332"/>
+          </a:xfrm>
+          <a:prstGeom prst="rect">
+            <a:avLst/>
+          </a:prstGeom>
+          <a:noFill/>
+        </p:spPr>
+        <p:txBody>
+          <a:bodyPr wrap="square" rtlCol="0">
+            <a:spAutoFit/>
+          </a:bodyPr>
+          <a:lstStyle/>
+          <a:p>
+            <a:r>
+              <a:rPr lang="zh-CN" altLang="en-US" dirty="0"/>
+              <a:t>放大</a:t>
+            </a:r>
+          </a:p>
+        </p:txBody>
+      </p:sp>
     </p:spTree>
     <p:extLst>
       <p:ext uri="{BB962C8B-B14F-4D97-AF65-F5344CB8AC3E}">
@@ -6549,7 +6637,7 @@
           <a:graphicData uri="http://schemas.openxmlformats.org/presentationml/2006/ole">
             <mc:AlternateContent xmlns:mc="http://schemas.openxmlformats.org/markup-compatibility/2006">
               <mc:Choice xmlns:v="urn:schemas-microsoft-com:vml" Requires="v">
-                <p:oleObj spid="_x0000_s1031" name="Equation" r:id="rId3" imgW="3517560" imgH="927000" progId="Equation.DSMT4">
+                <p:oleObj spid="_x0000_s1038" name="Equation" r:id="rId3" imgW="3517560" imgH="927000" progId="Equation.DSMT4">
                   <p:embed/>
                 </p:oleObj>
               </mc:Choice>
@@ -6739,10 +6827,10 @@
       </p:sp>
       <p:pic>
         <p:nvPicPr>
-          <p:cNvPr id="4" name="图片 3">
-            <a:extLst>
-              <a:ext uri="{FF2B5EF4-FFF2-40B4-BE49-F238E27FC236}">
-                <a16:creationId xmlns:a16="http://schemas.microsoft.com/office/drawing/2014/main" id="{8F0FD006-08A7-7CAB-3AB8-14E5BEB0D9A7}"/>
+          <p:cNvPr id="3" name="图片 2">
+            <a:extLst>
+              <a:ext uri="{FF2B5EF4-FFF2-40B4-BE49-F238E27FC236}">
+                <a16:creationId xmlns:a16="http://schemas.microsoft.com/office/drawing/2014/main" id="{8AD82E9F-080E-40B4-ADE4-26BCF9EA9B8A}"/>
               </a:ext>
             </a:extLst>
           </p:cNvPr>
@@ -6759,8 +6847,8 @@
         </p:blipFill>
         <p:spPr>
           <a:xfrm>
-            <a:off x="571500" y="1695450"/>
-            <a:ext cx="5334000" cy="4000500"/>
+            <a:off x="625436" y="1805050"/>
+            <a:ext cx="4652488" cy="3489366"/>
           </a:xfrm>
           <a:prstGeom prst="rect">
             <a:avLst/>
@@ -6769,10 +6857,10 @@
       </p:pic>
       <p:pic>
         <p:nvPicPr>
-          <p:cNvPr id="6" name="图片 5">
-            <a:extLst>
-              <a:ext uri="{FF2B5EF4-FFF2-40B4-BE49-F238E27FC236}">
-                <a16:creationId xmlns:a16="http://schemas.microsoft.com/office/drawing/2014/main" id="{E9E0F314-8510-9C0C-6A35-6D0F80DA9136}"/>
+          <p:cNvPr id="7" name="图片 6">
+            <a:extLst>
+              <a:ext uri="{FF2B5EF4-FFF2-40B4-BE49-F238E27FC236}">
+                <a16:creationId xmlns:a16="http://schemas.microsoft.com/office/drawing/2014/main" id="{40B468B3-3B73-4B72-96DE-C5CCE9B6FEEF}"/>
               </a:ext>
             </a:extLst>
           </p:cNvPr>
@@ -6789,8 +6877,8 @@
         </p:blipFill>
         <p:spPr>
           <a:xfrm>
-            <a:off x="6096000" y="1695450"/>
-            <a:ext cx="5334000" cy="4000500"/>
+            <a:off x="5424053" y="2119745"/>
+            <a:ext cx="3702134" cy="2776602"/>
           </a:xfrm>
           <a:prstGeom prst="rect">
             <a:avLst/>
@@ -6870,10 +6958,10 @@
       </p:sp>
       <p:pic>
         <p:nvPicPr>
-          <p:cNvPr id="5" name="图片 4">
-            <a:extLst>
-              <a:ext uri="{FF2B5EF4-FFF2-40B4-BE49-F238E27FC236}">
-                <a16:creationId xmlns:a16="http://schemas.microsoft.com/office/drawing/2014/main" id="{0BB733FF-24BF-4B6B-0441-106F602DDA7A}"/>
+          <p:cNvPr id="4" name="图片 3">
+            <a:extLst>
+              <a:ext uri="{FF2B5EF4-FFF2-40B4-BE49-F238E27FC236}">
+                <a16:creationId xmlns:a16="http://schemas.microsoft.com/office/drawing/2014/main" id="{A3219173-EAB1-4061-B9BB-184307176BEA}"/>
               </a:ext>
             </a:extLst>
           </p:cNvPr>
@@ -6890,8 +6978,8 @@
         </p:blipFill>
         <p:spPr>
           <a:xfrm>
-            <a:off x="609600" y="1797050"/>
-            <a:ext cx="5334000" cy="4000500"/>
+            <a:off x="1028700" y="2140692"/>
+            <a:ext cx="4417621" cy="3313216"/>
           </a:xfrm>
           <a:prstGeom prst="rect">
             <a:avLst/>
@@ -6900,10 +6988,10 @@
       </p:pic>
       <p:pic>
         <p:nvPicPr>
-          <p:cNvPr id="8" name="图片 7">
-            <a:extLst>
-              <a:ext uri="{FF2B5EF4-FFF2-40B4-BE49-F238E27FC236}">
-                <a16:creationId xmlns:a16="http://schemas.microsoft.com/office/drawing/2014/main" id="{88077B7C-7606-5071-DF88-0F5AD03473DA}"/>
+          <p:cNvPr id="7" name="图片 6">
+            <a:extLst>
+              <a:ext uri="{FF2B5EF4-FFF2-40B4-BE49-F238E27FC236}">
+                <a16:creationId xmlns:a16="http://schemas.microsoft.com/office/drawing/2014/main" id="{EDD7B7F4-1A0E-4F45-8FE1-89EABD0A0B0B}"/>
               </a:ext>
             </a:extLst>
           </p:cNvPr>
@@ -6920,8 +7008,8 @@
         </p:blipFill>
         <p:spPr>
           <a:xfrm>
-            <a:off x="5943600" y="1797050"/>
-            <a:ext cx="5334000" cy="4000500"/>
+            <a:off x="5340928" y="2362055"/>
+            <a:ext cx="3827319" cy="2870489"/>
           </a:xfrm>
           <a:prstGeom prst="rect">
             <a:avLst/>
@@ -7001,10 +7089,10 @@
       </p:sp>
       <p:pic>
         <p:nvPicPr>
-          <p:cNvPr id="4" name="图片 3">
-            <a:extLst>
-              <a:ext uri="{FF2B5EF4-FFF2-40B4-BE49-F238E27FC236}">
-                <a16:creationId xmlns:a16="http://schemas.microsoft.com/office/drawing/2014/main" id="{FED4B8D7-D52A-E8D5-AFEA-BB778AEE6F0D}"/>
+          <p:cNvPr id="5" name="图片 4">
+            <a:extLst>
+              <a:ext uri="{FF2B5EF4-FFF2-40B4-BE49-F238E27FC236}">
+                <a16:creationId xmlns:a16="http://schemas.microsoft.com/office/drawing/2014/main" id="{C3C9A404-3679-4AAA-BE9C-7DEC5B91F6D2}"/>
               </a:ext>
             </a:extLst>
           </p:cNvPr>
@@ -7021,8 +7109,8 @@
         </p:blipFill>
         <p:spPr>
           <a:xfrm>
-            <a:off x="495300" y="1733550"/>
-            <a:ext cx="5334000" cy="4000500"/>
+            <a:off x="663039" y="1858797"/>
+            <a:ext cx="5000006" cy="3750005"/>
           </a:xfrm>
           <a:prstGeom prst="rect">
             <a:avLst/>
@@ -7031,10 +7119,10 @@
       </p:pic>
       <p:pic>
         <p:nvPicPr>
-          <p:cNvPr id="6" name="图片 5">
-            <a:extLst>
-              <a:ext uri="{FF2B5EF4-FFF2-40B4-BE49-F238E27FC236}">
-                <a16:creationId xmlns:a16="http://schemas.microsoft.com/office/drawing/2014/main" id="{CC3B3136-D143-ECF3-1079-341A7D13DD4E}"/>
+          <p:cNvPr id="8" name="图片 7">
+            <a:extLst>
+              <a:ext uri="{FF2B5EF4-FFF2-40B4-BE49-F238E27FC236}">
+                <a16:creationId xmlns:a16="http://schemas.microsoft.com/office/drawing/2014/main" id="{E9230656-1DD1-4826-B797-A75E486C983F}"/>
               </a:ext>
             </a:extLst>
           </p:cNvPr>
@@ -7051,8 +7139,8 @@
         </p:blipFill>
         <p:spPr>
           <a:xfrm>
-            <a:off x="5829300" y="1733550"/>
-            <a:ext cx="5334000" cy="4000500"/>
+            <a:off x="5334989" y="2516084"/>
+            <a:ext cx="3084616" cy="2313462"/>
           </a:xfrm>
           <a:prstGeom prst="rect">
             <a:avLst/>
@@ -7132,10 +7220,10 @@
       </p:sp>
       <p:pic>
         <p:nvPicPr>
-          <p:cNvPr id="4" name="图片 3">
-            <a:extLst>
-              <a:ext uri="{FF2B5EF4-FFF2-40B4-BE49-F238E27FC236}">
-                <a16:creationId xmlns:a16="http://schemas.microsoft.com/office/drawing/2014/main" id="{8539E4EC-574F-915E-8EF7-A5D447708270}"/>
+          <p:cNvPr id="5" name="图片 4">
+            <a:extLst>
+              <a:ext uri="{FF2B5EF4-FFF2-40B4-BE49-F238E27FC236}">
+                <a16:creationId xmlns:a16="http://schemas.microsoft.com/office/drawing/2014/main" id="{7CBEF755-4C0E-4602-9EC4-EFFA84B26EF3}"/>
               </a:ext>
             </a:extLst>
           </p:cNvPr>
@@ -7152,8 +7240,8 @@
         </p:blipFill>
         <p:spPr>
           <a:xfrm>
-            <a:off x="609600" y="1822450"/>
-            <a:ext cx="5334000" cy="4000500"/>
+            <a:off x="561223" y="1965365"/>
+            <a:ext cx="4544292" cy="3408219"/>
           </a:xfrm>
           <a:prstGeom prst="rect">
             <a:avLst/>
@@ -7162,10 +7250,10 @@
       </p:pic>
       <p:pic>
         <p:nvPicPr>
-          <p:cNvPr id="6" name="图片 5">
-            <a:extLst>
-              <a:ext uri="{FF2B5EF4-FFF2-40B4-BE49-F238E27FC236}">
-                <a16:creationId xmlns:a16="http://schemas.microsoft.com/office/drawing/2014/main" id="{487D5C20-E953-EF5C-7AA2-40D2BF6DB1A3}"/>
+          <p:cNvPr id="8" name="图片 7">
+            <a:extLst>
+              <a:ext uri="{FF2B5EF4-FFF2-40B4-BE49-F238E27FC236}">
+                <a16:creationId xmlns:a16="http://schemas.microsoft.com/office/drawing/2014/main" id="{E06407C8-D3EA-4017-92C0-4DE19B50F30A}"/>
               </a:ext>
             </a:extLst>
           </p:cNvPr>
@@ -7182,8 +7270,8 @@
         </p:blipFill>
         <p:spPr>
           <a:xfrm>
-            <a:off x="5943600" y="1822450"/>
-            <a:ext cx="5334000" cy="4000500"/>
+            <a:off x="4848101" y="2415514"/>
+            <a:ext cx="3343893" cy="2507920"/>
           </a:xfrm>
           <a:prstGeom prst="rect">
             <a:avLst/>
@@ -7263,10 +7351,10 @@
       </p:sp>
       <p:pic>
         <p:nvPicPr>
-          <p:cNvPr id="4" name="图片 3">
-            <a:extLst>
-              <a:ext uri="{FF2B5EF4-FFF2-40B4-BE49-F238E27FC236}">
-                <a16:creationId xmlns:a16="http://schemas.microsoft.com/office/drawing/2014/main" id="{9B9C4988-BC87-B859-8DF6-F24659BB7860}"/>
+          <p:cNvPr id="6" name="图片 5">
+            <a:extLst>
+              <a:ext uri="{FF2B5EF4-FFF2-40B4-BE49-F238E27FC236}">
+                <a16:creationId xmlns:a16="http://schemas.microsoft.com/office/drawing/2014/main" id="{3A99C226-DBC1-2860-A428-7918CCA3A079}"/>
               </a:ext>
             </a:extLst>
           </p:cNvPr>
@@ -7283,8 +7371,8 @@
         </p:blipFill>
         <p:spPr>
           <a:xfrm>
-            <a:off x="469900" y="1733550"/>
-            <a:ext cx="5334000" cy="4000500"/>
+            <a:off x="9405258" y="26719"/>
+            <a:ext cx="2932129" cy="2199097"/>
           </a:xfrm>
           <a:prstGeom prst="rect">
             <a:avLst/>
@@ -7293,10 +7381,10 @@
       </p:pic>
       <p:pic>
         <p:nvPicPr>
-          <p:cNvPr id="6" name="图片 5">
-            <a:extLst>
-              <a:ext uri="{FF2B5EF4-FFF2-40B4-BE49-F238E27FC236}">
-                <a16:creationId xmlns:a16="http://schemas.microsoft.com/office/drawing/2014/main" id="{3A99C226-DBC1-2860-A428-7918CCA3A079}"/>
+          <p:cNvPr id="5" name="图片 4">
+            <a:extLst>
+              <a:ext uri="{FF2B5EF4-FFF2-40B4-BE49-F238E27FC236}">
+                <a16:creationId xmlns:a16="http://schemas.microsoft.com/office/drawing/2014/main" id="{39AF243E-3FFA-4BC7-9C5E-709D3DFF1C2D}"/>
               </a:ext>
             </a:extLst>
           </p:cNvPr>
@@ -7313,8 +7401,38 @@
         </p:blipFill>
         <p:spPr>
           <a:xfrm>
-            <a:off x="5969000" y="1733550"/>
-            <a:ext cx="5334000" cy="4000500"/>
+            <a:off x="835231" y="1810985"/>
+            <a:ext cx="4813465" cy="3610099"/>
+          </a:xfrm>
+          <a:prstGeom prst="rect">
+            <a:avLst/>
+          </a:prstGeom>
+        </p:spPr>
+      </p:pic>
+      <p:pic>
+        <p:nvPicPr>
+          <p:cNvPr id="8" name="图片 7">
+            <a:extLst>
+              <a:ext uri="{FF2B5EF4-FFF2-40B4-BE49-F238E27FC236}">
+                <a16:creationId xmlns:a16="http://schemas.microsoft.com/office/drawing/2014/main" id="{9992B865-9171-4E41-AB83-3F8AE40C812B}"/>
+              </a:ext>
+            </a:extLst>
+          </p:cNvPr>
+          <p:cNvPicPr>
+            <a:picLocks noChangeAspect="1"/>
+          </p:cNvPicPr>
+          <p:nvPr/>
+        </p:nvPicPr>
+        <p:blipFill>
+          <a:blip r:embed="rId4"/>
+          <a:stretch>
+            <a:fillRect/>
+          </a:stretch>
+        </p:blipFill>
+        <p:spPr>
+          <a:xfrm>
+            <a:off x="5180611" y="2314366"/>
+            <a:ext cx="3471113" cy="2603335"/>
           </a:xfrm>
           <a:prstGeom prst="rect">
             <a:avLst/>
@@ -7394,10 +7512,10 @@
       </p:sp>
       <p:pic>
         <p:nvPicPr>
-          <p:cNvPr id="4" name="图片 3">
-            <a:extLst>
-              <a:ext uri="{FF2B5EF4-FFF2-40B4-BE49-F238E27FC236}">
-                <a16:creationId xmlns:a16="http://schemas.microsoft.com/office/drawing/2014/main" id="{5E7D7833-D33D-96DC-8AC3-C43AE3AC1F40}"/>
+          <p:cNvPr id="5" name="图片 4">
+            <a:extLst>
+              <a:ext uri="{FF2B5EF4-FFF2-40B4-BE49-F238E27FC236}">
+                <a16:creationId xmlns:a16="http://schemas.microsoft.com/office/drawing/2014/main" id="{B9091524-FE18-489E-AD70-33604B3F27A8}"/>
               </a:ext>
             </a:extLst>
           </p:cNvPr>
@@ -7414,8 +7532,8 @@
         </p:blipFill>
         <p:spPr>
           <a:xfrm>
-            <a:off x="609600" y="1708150"/>
-            <a:ext cx="5334000" cy="4000500"/>
+            <a:off x="882733" y="2030680"/>
+            <a:ext cx="4433455" cy="3325091"/>
           </a:xfrm>
           <a:prstGeom prst="rect">
             <a:avLst/>
@@ -7424,10 +7542,10 @@
       </p:pic>
       <p:pic>
         <p:nvPicPr>
-          <p:cNvPr id="6" name="图片 5">
-            <a:extLst>
-              <a:ext uri="{FF2B5EF4-FFF2-40B4-BE49-F238E27FC236}">
-                <a16:creationId xmlns:a16="http://schemas.microsoft.com/office/drawing/2014/main" id="{1C75B01C-75C3-074B-72B9-1ADD23FE04DB}"/>
+          <p:cNvPr id="8" name="图片 7">
+            <a:extLst>
+              <a:ext uri="{FF2B5EF4-FFF2-40B4-BE49-F238E27FC236}">
+                <a16:creationId xmlns:a16="http://schemas.microsoft.com/office/drawing/2014/main" id="{2EC3E083-0EE3-47C4-83FA-1659135A8461}"/>
               </a:ext>
             </a:extLst>
           </p:cNvPr>
@@ -7444,8 +7562,8 @@
         </p:blipFill>
         <p:spPr>
           <a:xfrm>
-            <a:off x="6059488" y="1708150"/>
-            <a:ext cx="5334000" cy="4000500"/>
+            <a:off x="5263737" y="2363560"/>
+            <a:ext cx="3545773" cy="2659330"/>
           </a:xfrm>
           <a:prstGeom prst="rect">
             <a:avLst/>
